--- a/slides/LECTURE_11_26.pptx
+++ b/slides/LECTURE_11_26.pptx
@@ -20,13 +20,13 @@
     <p:sldId id="265" r:id="rId8"/>
     <p:sldId id="266" r:id="rId9"/>
     <p:sldId id="263" r:id="rId10"/>
-    <p:sldId id="285" r:id="rId11"/>
-    <p:sldId id="274" r:id="rId12"/>
+    <p:sldId id="283" r:id="rId11"/>
+    <p:sldId id="285" r:id="rId12"/>
     <p:sldId id="286" r:id="rId13"/>
     <p:sldId id="287" r:id="rId14"/>
     <p:sldId id="276" r:id="rId15"/>
-    <p:sldId id="277" r:id="rId16"/>
-    <p:sldId id="283" r:id="rId17"/>
+    <p:sldId id="274" r:id="rId16"/>
+    <p:sldId id="277" r:id="rId17"/>
     <p:sldId id="279" r:id="rId18"/>
     <p:sldId id="271" r:id="rId19"/>
     <p:sldId id="272" r:id="rId20"/>
@@ -130,6 +130,22 @@
       </a:defRPr>
     </a:lvl9pPr>
   </p:defaultTextStyle>
+  <p:extLst>
+    <p:ext uri="{EFAFB233-063F-42B5-8137-9DF3F51BA10A}">
+      <p15:sldGuideLst xmlns:p15="http://schemas.microsoft.com/office/powerpoint/2012/main">
+        <p15:guide id="1" orient="horz" pos="2160">
+          <p15:clr>
+            <a:srgbClr val="A4A3A4"/>
+          </p15:clr>
+        </p15:guide>
+        <p15:guide id="2" pos="2880">
+          <p15:clr>
+            <a:srgbClr val="A4A3A4"/>
+          </p15:clr>
+        </p15:guide>
+      </p15:sldGuideLst>
+    </p:ext>
+  </p:extLst>
 </p:presentation>
 </file>
 
@@ -215,7 +231,7 @@
           <a:p>
             <a:fld id="{65D5FA39-79C4-7642-AC47-F280F220338E}" type="datetimeFigureOut">
               <a:rPr lang="en-US" smtClean="0"/>
-              <a:t>11/26/18</a:t>
+              <a:t>11/26/19</a:t>
             </a:fld>
             <a:endParaRPr lang="en-US"/>
           </a:p>
@@ -380,7 +396,7 @@
           <a:p>
             <a:fld id="{ADA13227-9727-9A43-90AF-89D0FF1928C9}" type="datetimeFigureOut">
               <a:rPr lang="en-US" smtClean="0"/>
-              <a:t>11/26/18</a:t>
+              <a:t>11/26/19</a:t>
             </a:fld>
             <a:endParaRPr lang="en-US"/>
           </a:p>
@@ -444,38 +460,37 @@
           <a:p>
             <a:pPr lvl="0"/>
             <a:r>
-              <a:rPr lang="en-US" smtClean="0"/>
+              <a:rPr lang="en-US"/>
               <a:t>Click to edit Master text styles</a:t>
             </a:r>
           </a:p>
           <a:p>
             <a:pPr lvl="1"/>
             <a:r>
-              <a:rPr lang="en-US" smtClean="0"/>
+              <a:rPr lang="en-US"/>
               <a:t>Second level</a:t>
             </a:r>
           </a:p>
           <a:p>
             <a:pPr lvl="2"/>
             <a:r>
-              <a:rPr lang="en-US" smtClean="0"/>
+              <a:rPr lang="en-US"/>
               <a:t>Third level</a:t>
             </a:r>
           </a:p>
           <a:p>
             <a:pPr lvl="3"/>
             <a:r>
-              <a:rPr lang="en-US" smtClean="0"/>
+              <a:rPr lang="en-US"/>
               <a:t>Fourth level</a:t>
             </a:r>
           </a:p>
           <a:p>
             <a:pPr lvl="4"/>
             <a:r>
-              <a:rPr lang="en-US" smtClean="0"/>
+              <a:rPr lang="en-US"/>
               <a:t>Fifth level</a:t>
             </a:r>
-            <a:endParaRPr lang="en-US"/>
           </a:p>
         </p:txBody>
       </p:sp>
@@ -710,31 +725,23 @@
               <a:defRPr/>
             </a:pPr>
             <a:r>
-              <a:rPr lang="en-US" dirty="0" smtClean="0"/>
-              <a:t>Here upon asking the query first prolog </a:t>
-            </a:r>
-            <a:r>
-              <a:rPr lang="en-US" dirty="0" smtClean="0"/>
-              <a:t>starts </a:t>
-            </a:r>
-            <a:r>
-              <a:rPr lang="en-US" dirty="0" smtClean="0"/>
-              <a:t>to search matching terms in 'Facts' in top-down manner for 'likes' predicate with two arguments and it can match likes(john, ...) i.e. Unification. Then it looks for the value of X asked in query and it returns answer X = </a:t>
-            </a:r>
-            <a:r>
-              <a:rPr lang="en-US" dirty="0" err="1" smtClean="0"/>
+              <a:rPr lang="en-US" dirty="0"/>
+              <a:t>Here upon asking the query first prolog starts to search matching terms in 'Facts' in top-down manner for 'likes' predicate with two arguments and it can match likes(john, ...) i.e. Unification. Then it looks for the value of X asked in query and it returns answer X = </a:t>
+            </a:r>
+            <a:r>
+              <a:rPr lang="en-US" dirty="0" err="1"/>
               <a:t>jane</a:t>
             </a:r>
             <a:r>
-              <a:rPr lang="en-US" dirty="0" smtClean="0"/>
+              <a:rPr lang="en-US" dirty="0"/>
               <a:t> i.e. Instantiation - X is instantiated to '</a:t>
             </a:r>
             <a:r>
-              <a:rPr lang="en-US" dirty="0" err="1" smtClean="0"/>
+              <a:rPr lang="en-US" dirty="0" err="1"/>
               <a:t>jane</a:t>
             </a:r>
             <a:r>
-              <a:rPr lang="en-US" dirty="0" smtClean="0"/>
+              <a:rPr lang="en-US" dirty="0"/>
               <a:t>'</a:t>
             </a:r>
           </a:p>
@@ -777,7 +784,7 @@
           <a:p>
             <a:fld id="{02226461-ECB7-154C-A62D-D4AFA38E1B18}" type="slidenum">
               <a:rPr lang="en-US" smtClean="0"/>
-              <a:t>15</a:t>
+              <a:t>16</a:t>
             </a:fld>
             <a:endParaRPr lang="en-US"/>
           </a:p>
@@ -787,6 +794,118 @@
     <p:extLst>
       <p:ext uri="{BB962C8B-B14F-4D97-AF65-F5344CB8AC3E}">
         <p14:creationId xmlns:p14="http://schemas.microsoft.com/office/powerpoint/2010/main" val="1636617678"/>
+      </p:ext>
+    </p:extLst>
+  </p:cSld>
+  <p:clrMapOvr>
+    <a:masterClrMapping/>
+  </p:clrMapOvr>
+</p:notes>
+</file>
+
+<file path=ppt/notesSlides/notesSlide2.xml><?xml version="1.0" encoding="utf-8"?>
+<p:notes xmlns:a="http://schemas.openxmlformats.org/drawingml/2006/main" xmlns:r="http://schemas.openxmlformats.org/officeDocument/2006/relationships" xmlns:p="http://schemas.openxmlformats.org/presentationml/2006/main">
+  <p:cSld>
+    <p:spTree>
+      <p:nvGrpSpPr>
+        <p:cNvPr id="1" name=""/>
+        <p:cNvGrpSpPr/>
+        <p:nvPr/>
+      </p:nvGrpSpPr>
+      <p:grpSpPr>
+        <a:xfrm>
+          <a:off x="0" y="0"/>
+          <a:ext cx="0" cy="0"/>
+          <a:chOff x="0" y="0"/>
+          <a:chExt cx="0" cy="0"/>
+        </a:xfrm>
+      </p:grpSpPr>
+      <p:sp>
+        <p:nvSpPr>
+          <p:cNvPr id="2" name="Slide Image Placeholder 1"/>
+          <p:cNvSpPr>
+            <a:spLocks noGrp="1" noRot="1" noChangeAspect="1"/>
+          </p:cNvSpPr>
+          <p:nvPr>
+            <p:ph type="sldImg"/>
+          </p:nvPr>
+        </p:nvSpPr>
+        <p:spPr/>
+      </p:sp>
+      <p:sp>
+        <p:nvSpPr>
+          <p:cNvPr id="3" name="Notes Placeholder 2"/>
+          <p:cNvSpPr>
+            <a:spLocks noGrp="1"/>
+          </p:cNvSpPr>
+          <p:nvPr>
+            <p:ph type="body" idx="1"/>
+          </p:nvPr>
+        </p:nvSpPr>
+        <p:spPr/>
+        <p:txBody>
+          <a:bodyPr/>
+          <a:lstStyle/>
+          <a:p>
+            <a:r>
+              <a:rPr lang="en-US" sz="1200" kern="1200" dirty="0">
+                <a:solidFill>
+                  <a:schemeClr val="tx1"/>
+                </a:solidFill>
+                <a:effectLst/>
+                <a:latin typeface="+mn-lt"/>
+                <a:ea typeface="+mn-ea"/>
+                <a:cs typeface="+mn-cs"/>
+              </a:rPr>
+              <a:t>ancestor(X,Y):-parent(X,Y).</a:t>
+            </a:r>
+          </a:p>
+          <a:p>
+            <a:r>
+              <a:rPr lang="en-US" sz="1200" kern="1200">
+                <a:solidFill>
+                  <a:schemeClr val="tx1"/>
+                </a:solidFill>
+                <a:effectLst/>
+                <a:latin typeface="+mn-lt"/>
+                <a:ea typeface="+mn-ea"/>
+                <a:cs typeface="+mn-cs"/>
+              </a:rPr>
+              <a:t>ancestor(X,Y):-parent(Z,Y),ancestor(X,Z).</a:t>
+            </a:r>
+          </a:p>
+          <a:p>
+            <a:endParaRPr lang="en-US"/>
+          </a:p>
+        </p:txBody>
+      </p:sp>
+      <p:sp>
+        <p:nvSpPr>
+          <p:cNvPr id="4" name="Slide Number Placeholder 3"/>
+          <p:cNvSpPr>
+            <a:spLocks noGrp="1"/>
+          </p:cNvSpPr>
+          <p:nvPr>
+            <p:ph type="sldNum" sz="quarter" idx="10"/>
+          </p:nvPr>
+        </p:nvSpPr>
+        <p:spPr/>
+        <p:txBody>
+          <a:bodyPr/>
+          <a:lstStyle/>
+          <a:p>
+            <a:fld id="{02226461-ECB7-154C-A62D-D4AFA38E1B18}" type="slidenum">
+              <a:rPr lang="en-US" smtClean="0"/>
+              <a:t>20</a:t>
+            </a:fld>
+            <a:endParaRPr lang="en-US"/>
+          </a:p>
+        </p:txBody>
+      </p:sp>
+    </p:spTree>
+    <p:extLst>
+      <p:ext uri="{BB962C8B-B14F-4D97-AF65-F5344CB8AC3E}">
+        <p14:creationId xmlns:p14="http://schemas.microsoft.com/office/powerpoint/2010/main" val="2969445336"/>
       </p:ext>
     </p:extLst>
   </p:cSld>
@@ -834,10 +953,9 @@
           <a:lstStyle/>
           <a:p>
             <a:r>
-              <a:rPr lang="en-US" smtClean="0"/>
+              <a:rPr lang="en-US"/>
               <a:t>Click to edit Master title style</a:t>
             </a:r>
-            <a:endParaRPr lang="en-US"/>
           </a:p>
         </p:txBody>
       </p:sp>
@@ -953,10 +1071,9 @@
           </a:lstStyle>
           <a:p>
             <a:r>
-              <a:rPr lang="en-US" smtClean="0"/>
+              <a:rPr lang="en-US"/>
               <a:t>Click to edit Master subtitle style</a:t>
             </a:r>
-            <a:endParaRPr lang="en-US"/>
           </a:p>
         </p:txBody>
       </p:sp>
@@ -977,7 +1094,7 @@
           <a:p>
             <a:fld id="{662F117D-EAF5-8645-A325-02A697C158FB}" type="datetimeFigureOut">
               <a:rPr lang="en-US" smtClean="0"/>
-              <a:t>11/26/18</a:t>
+              <a:t>11/26/19</a:t>
             </a:fld>
             <a:endParaRPr lang="en-US"/>
           </a:p>
@@ -1071,10 +1188,9 @@
           <a:lstStyle/>
           <a:p>
             <a:r>
-              <a:rPr lang="en-US" smtClean="0"/>
+              <a:rPr lang="en-US"/>
               <a:t>Click to edit Master title style</a:t>
             </a:r>
-            <a:endParaRPr lang="en-US"/>
           </a:p>
         </p:txBody>
       </p:sp>
@@ -1095,38 +1211,37 @@
           <a:p>
             <a:pPr lvl="0"/>
             <a:r>
-              <a:rPr lang="en-US" smtClean="0"/>
+              <a:rPr lang="en-US"/>
               <a:t>Click to edit Master text styles</a:t>
             </a:r>
           </a:p>
           <a:p>
             <a:pPr lvl="1"/>
             <a:r>
-              <a:rPr lang="en-US" smtClean="0"/>
+              <a:rPr lang="en-US"/>
               <a:t>Second level</a:t>
             </a:r>
           </a:p>
           <a:p>
             <a:pPr lvl="2"/>
             <a:r>
-              <a:rPr lang="en-US" smtClean="0"/>
+              <a:rPr lang="en-US"/>
               <a:t>Third level</a:t>
             </a:r>
           </a:p>
           <a:p>
             <a:pPr lvl="3"/>
             <a:r>
-              <a:rPr lang="en-US" smtClean="0"/>
+              <a:rPr lang="en-US"/>
               <a:t>Fourth level</a:t>
             </a:r>
           </a:p>
           <a:p>
             <a:pPr lvl="4"/>
             <a:r>
-              <a:rPr lang="en-US" smtClean="0"/>
+              <a:rPr lang="en-US"/>
               <a:t>Fifth level</a:t>
             </a:r>
-            <a:endParaRPr lang="en-US"/>
           </a:p>
         </p:txBody>
       </p:sp>
@@ -1147,7 +1262,7 @@
           <a:p>
             <a:fld id="{662F117D-EAF5-8645-A325-02A697C158FB}" type="datetimeFigureOut">
               <a:rPr lang="en-US" smtClean="0"/>
-              <a:t>11/26/18</a:t>
+              <a:t>11/26/19</a:t>
             </a:fld>
             <a:endParaRPr lang="en-US"/>
           </a:p>
@@ -1246,10 +1361,9 @@
           <a:lstStyle/>
           <a:p>
             <a:r>
-              <a:rPr lang="en-US" smtClean="0"/>
+              <a:rPr lang="en-US"/>
               <a:t>Click to edit Master title style</a:t>
             </a:r>
-            <a:endParaRPr lang="en-US"/>
           </a:p>
         </p:txBody>
       </p:sp>
@@ -1275,38 +1389,37 @@
           <a:p>
             <a:pPr lvl="0"/>
             <a:r>
-              <a:rPr lang="en-US" smtClean="0"/>
+              <a:rPr lang="en-US"/>
               <a:t>Click to edit Master text styles</a:t>
             </a:r>
           </a:p>
           <a:p>
             <a:pPr lvl="1"/>
             <a:r>
-              <a:rPr lang="en-US" smtClean="0"/>
+              <a:rPr lang="en-US"/>
               <a:t>Second level</a:t>
             </a:r>
           </a:p>
           <a:p>
             <a:pPr lvl="2"/>
             <a:r>
-              <a:rPr lang="en-US" smtClean="0"/>
+              <a:rPr lang="en-US"/>
               <a:t>Third level</a:t>
             </a:r>
           </a:p>
           <a:p>
             <a:pPr lvl="3"/>
             <a:r>
-              <a:rPr lang="en-US" smtClean="0"/>
+              <a:rPr lang="en-US"/>
               <a:t>Fourth level</a:t>
             </a:r>
           </a:p>
           <a:p>
             <a:pPr lvl="4"/>
             <a:r>
-              <a:rPr lang="en-US" smtClean="0"/>
+              <a:rPr lang="en-US"/>
               <a:t>Fifth level</a:t>
             </a:r>
-            <a:endParaRPr lang="en-US"/>
           </a:p>
         </p:txBody>
       </p:sp>
@@ -1327,7 +1440,7 @@
           <a:p>
             <a:fld id="{662F117D-EAF5-8645-A325-02A697C158FB}" type="datetimeFigureOut">
               <a:rPr lang="en-US" smtClean="0"/>
-              <a:t>11/26/18</a:t>
+              <a:t>11/26/19</a:t>
             </a:fld>
             <a:endParaRPr lang="en-US"/>
           </a:p>
@@ -1421,10 +1534,9 @@
           <a:lstStyle/>
           <a:p>
             <a:r>
-              <a:rPr lang="en-US" smtClean="0"/>
+              <a:rPr lang="en-US"/>
               <a:t>Click to edit Master title style</a:t>
             </a:r>
-            <a:endParaRPr lang="en-US"/>
           </a:p>
         </p:txBody>
       </p:sp>
@@ -1445,38 +1557,37 @@
           <a:p>
             <a:pPr lvl="0"/>
             <a:r>
-              <a:rPr lang="en-US" smtClean="0"/>
+              <a:rPr lang="en-US"/>
               <a:t>Click to edit Master text styles</a:t>
             </a:r>
           </a:p>
           <a:p>
             <a:pPr lvl="1"/>
             <a:r>
-              <a:rPr lang="en-US" smtClean="0"/>
+              <a:rPr lang="en-US"/>
               <a:t>Second level</a:t>
             </a:r>
           </a:p>
           <a:p>
             <a:pPr lvl="2"/>
             <a:r>
-              <a:rPr lang="en-US" smtClean="0"/>
+              <a:rPr lang="en-US"/>
               <a:t>Third level</a:t>
             </a:r>
           </a:p>
           <a:p>
             <a:pPr lvl="3"/>
             <a:r>
-              <a:rPr lang="en-US" smtClean="0"/>
+              <a:rPr lang="en-US"/>
               <a:t>Fourth level</a:t>
             </a:r>
           </a:p>
           <a:p>
             <a:pPr lvl="4"/>
             <a:r>
-              <a:rPr lang="en-US" smtClean="0"/>
+              <a:rPr lang="en-US"/>
               <a:t>Fifth level</a:t>
             </a:r>
-            <a:endParaRPr lang="en-US"/>
           </a:p>
         </p:txBody>
       </p:sp>
@@ -1497,7 +1608,7 @@
           <a:p>
             <a:fld id="{662F117D-EAF5-8645-A325-02A697C158FB}" type="datetimeFigureOut">
               <a:rPr lang="en-US" smtClean="0"/>
-              <a:t>11/26/18</a:t>
+              <a:t>11/26/19</a:t>
             </a:fld>
             <a:endParaRPr lang="en-US"/>
           </a:p>
@@ -1600,10 +1711,9 @@
           </a:lstStyle>
           <a:p>
             <a:r>
-              <a:rPr lang="en-US" smtClean="0"/>
+              <a:rPr lang="en-US"/>
               <a:t>Click to edit Master title style</a:t>
             </a:r>
-            <a:endParaRPr lang="en-US"/>
           </a:p>
         </p:txBody>
       </p:sp>
@@ -1720,7 +1830,7 @@
           <a:p>
             <a:pPr lvl="0"/>
             <a:r>
-              <a:rPr lang="en-US" smtClean="0"/>
+              <a:rPr lang="en-US"/>
               <a:t>Click to edit Master text styles</a:t>
             </a:r>
           </a:p>
@@ -1743,7 +1853,7 @@
           <a:p>
             <a:fld id="{662F117D-EAF5-8645-A325-02A697C158FB}" type="datetimeFigureOut">
               <a:rPr lang="en-US" smtClean="0"/>
-              <a:t>11/26/18</a:t>
+              <a:t>11/26/19</a:t>
             </a:fld>
             <a:endParaRPr lang="en-US"/>
           </a:p>
@@ -1837,10 +1947,9 @@
           <a:lstStyle/>
           <a:p>
             <a:r>
-              <a:rPr lang="en-US" smtClean="0"/>
+              <a:rPr lang="en-US"/>
               <a:t>Click to edit Master title style</a:t>
             </a:r>
-            <a:endParaRPr lang="en-US"/>
           </a:p>
         </p:txBody>
       </p:sp>
@@ -1894,38 +2003,37 @@
           <a:p>
             <a:pPr lvl="0"/>
             <a:r>
-              <a:rPr lang="en-US" smtClean="0"/>
+              <a:rPr lang="en-US"/>
               <a:t>Click to edit Master text styles</a:t>
             </a:r>
           </a:p>
           <a:p>
             <a:pPr lvl="1"/>
             <a:r>
-              <a:rPr lang="en-US" smtClean="0"/>
+              <a:rPr lang="en-US"/>
               <a:t>Second level</a:t>
             </a:r>
           </a:p>
           <a:p>
             <a:pPr lvl="2"/>
             <a:r>
-              <a:rPr lang="en-US" smtClean="0"/>
+              <a:rPr lang="en-US"/>
               <a:t>Third level</a:t>
             </a:r>
           </a:p>
           <a:p>
             <a:pPr lvl="3"/>
             <a:r>
-              <a:rPr lang="en-US" smtClean="0"/>
+              <a:rPr lang="en-US"/>
               <a:t>Fourth level</a:t>
             </a:r>
           </a:p>
           <a:p>
             <a:pPr lvl="4"/>
             <a:r>
-              <a:rPr lang="en-US" smtClean="0"/>
+              <a:rPr lang="en-US"/>
               <a:t>Fifth level</a:t>
             </a:r>
-            <a:endParaRPr lang="en-US"/>
           </a:p>
         </p:txBody>
       </p:sp>
@@ -1979,38 +2087,37 @@
           <a:p>
             <a:pPr lvl="0"/>
             <a:r>
-              <a:rPr lang="en-US" smtClean="0"/>
+              <a:rPr lang="en-US"/>
               <a:t>Click to edit Master text styles</a:t>
             </a:r>
           </a:p>
           <a:p>
             <a:pPr lvl="1"/>
             <a:r>
-              <a:rPr lang="en-US" smtClean="0"/>
+              <a:rPr lang="en-US"/>
               <a:t>Second level</a:t>
             </a:r>
           </a:p>
           <a:p>
             <a:pPr lvl="2"/>
             <a:r>
-              <a:rPr lang="en-US" smtClean="0"/>
+              <a:rPr lang="en-US"/>
               <a:t>Third level</a:t>
             </a:r>
           </a:p>
           <a:p>
             <a:pPr lvl="3"/>
             <a:r>
-              <a:rPr lang="en-US" smtClean="0"/>
+              <a:rPr lang="en-US"/>
               <a:t>Fourth level</a:t>
             </a:r>
           </a:p>
           <a:p>
             <a:pPr lvl="4"/>
             <a:r>
-              <a:rPr lang="en-US" smtClean="0"/>
+              <a:rPr lang="en-US"/>
               <a:t>Fifth level</a:t>
             </a:r>
-            <a:endParaRPr lang="en-US"/>
           </a:p>
         </p:txBody>
       </p:sp>
@@ -2031,7 +2138,7 @@
           <a:p>
             <a:fld id="{662F117D-EAF5-8645-A325-02A697C158FB}" type="datetimeFigureOut">
               <a:rPr lang="en-US" smtClean="0"/>
-              <a:t>11/26/18</a:t>
+              <a:t>11/26/19</a:t>
             </a:fld>
             <a:endParaRPr lang="en-US"/>
           </a:p>
@@ -2129,10 +2236,9 @@
           </a:lstStyle>
           <a:p>
             <a:r>
-              <a:rPr lang="en-US" smtClean="0"/>
+              <a:rPr lang="en-US"/>
               <a:t>Click to edit Master title style</a:t>
             </a:r>
-            <a:endParaRPr lang="en-US"/>
           </a:p>
         </p:txBody>
       </p:sp>
@@ -2195,7 +2301,7 @@
           <a:p>
             <a:pPr lvl="0"/>
             <a:r>
-              <a:rPr lang="en-US" smtClean="0"/>
+              <a:rPr lang="en-US"/>
               <a:t>Click to edit Master text styles</a:t>
             </a:r>
           </a:p>
@@ -2251,38 +2357,37 @@
           <a:p>
             <a:pPr lvl="0"/>
             <a:r>
-              <a:rPr lang="en-US" smtClean="0"/>
+              <a:rPr lang="en-US"/>
               <a:t>Click to edit Master text styles</a:t>
             </a:r>
           </a:p>
           <a:p>
             <a:pPr lvl="1"/>
             <a:r>
-              <a:rPr lang="en-US" smtClean="0"/>
+              <a:rPr lang="en-US"/>
               <a:t>Second level</a:t>
             </a:r>
           </a:p>
           <a:p>
             <a:pPr lvl="2"/>
             <a:r>
-              <a:rPr lang="en-US" smtClean="0"/>
+              <a:rPr lang="en-US"/>
               <a:t>Third level</a:t>
             </a:r>
           </a:p>
           <a:p>
             <a:pPr lvl="3"/>
             <a:r>
-              <a:rPr lang="en-US" smtClean="0"/>
+              <a:rPr lang="en-US"/>
               <a:t>Fourth level</a:t>
             </a:r>
           </a:p>
           <a:p>
             <a:pPr lvl="4"/>
             <a:r>
-              <a:rPr lang="en-US" smtClean="0"/>
+              <a:rPr lang="en-US"/>
               <a:t>Fifth level</a:t>
             </a:r>
-            <a:endParaRPr lang="en-US"/>
           </a:p>
         </p:txBody>
       </p:sp>
@@ -2345,7 +2450,7 @@
           <a:p>
             <a:pPr lvl="0"/>
             <a:r>
-              <a:rPr lang="en-US" smtClean="0"/>
+              <a:rPr lang="en-US"/>
               <a:t>Click to edit Master text styles</a:t>
             </a:r>
           </a:p>
@@ -2401,38 +2506,37 @@
           <a:p>
             <a:pPr lvl="0"/>
             <a:r>
-              <a:rPr lang="en-US" smtClean="0"/>
+              <a:rPr lang="en-US"/>
               <a:t>Click to edit Master text styles</a:t>
             </a:r>
           </a:p>
           <a:p>
             <a:pPr lvl="1"/>
             <a:r>
-              <a:rPr lang="en-US" smtClean="0"/>
+              <a:rPr lang="en-US"/>
               <a:t>Second level</a:t>
             </a:r>
           </a:p>
           <a:p>
             <a:pPr lvl="2"/>
             <a:r>
-              <a:rPr lang="en-US" smtClean="0"/>
+              <a:rPr lang="en-US"/>
               <a:t>Third level</a:t>
             </a:r>
           </a:p>
           <a:p>
             <a:pPr lvl="3"/>
             <a:r>
-              <a:rPr lang="en-US" smtClean="0"/>
+              <a:rPr lang="en-US"/>
               <a:t>Fourth level</a:t>
             </a:r>
           </a:p>
           <a:p>
             <a:pPr lvl="4"/>
             <a:r>
-              <a:rPr lang="en-US" smtClean="0"/>
+              <a:rPr lang="en-US"/>
               <a:t>Fifth level</a:t>
             </a:r>
-            <a:endParaRPr lang="en-US"/>
           </a:p>
         </p:txBody>
       </p:sp>
@@ -2453,7 +2557,7 @@
           <a:p>
             <a:fld id="{662F117D-EAF5-8645-A325-02A697C158FB}" type="datetimeFigureOut">
               <a:rPr lang="en-US" smtClean="0"/>
-              <a:t>11/26/18</a:t>
+              <a:t>11/26/19</a:t>
             </a:fld>
             <a:endParaRPr lang="en-US"/>
           </a:p>
@@ -2547,10 +2651,9 @@
           <a:lstStyle/>
           <a:p>
             <a:r>
-              <a:rPr lang="en-US" smtClean="0"/>
+              <a:rPr lang="en-US"/>
               <a:t>Click to edit Master title style</a:t>
             </a:r>
-            <a:endParaRPr lang="en-US"/>
           </a:p>
         </p:txBody>
       </p:sp>
@@ -2571,7 +2674,7 @@
           <a:p>
             <a:fld id="{662F117D-EAF5-8645-A325-02A697C158FB}" type="datetimeFigureOut">
               <a:rPr lang="en-US" smtClean="0"/>
-              <a:t>11/26/18</a:t>
+              <a:t>11/26/19</a:t>
             </a:fld>
             <a:endParaRPr lang="en-US"/>
           </a:p>
@@ -2666,7 +2769,7 @@
           <a:p>
             <a:fld id="{662F117D-EAF5-8645-A325-02A697C158FB}" type="datetimeFigureOut">
               <a:rPr lang="en-US" smtClean="0"/>
-              <a:t>11/26/18</a:t>
+              <a:t>11/26/19</a:t>
             </a:fld>
             <a:endParaRPr lang="en-US"/>
           </a:p>
@@ -2769,10 +2872,9 @@
           </a:lstStyle>
           <a:p>
             <a:r>
-              <a:rPr lang="en-US" smtClean="0"/>
+              <a:rPr lang="en-US"/>
               <a:t>Click to edit Master title style</a:t>
             </a:r>
-            <a:endParaRPr lang="en-US"/>
           </a:p>
         </p:txBody>
       </p:sp>
@@ -2826,38 +2928,37 @@
           <a:p>
             <a:pPr lvl="0"/>
             <a:r>
-              <a:rPr lang="en-US" smtClean="0"/>
+              <a:rPr lang="en-US"/>
               <a:t>Click to edit Master text styles</a:t>
             </a:r>
           </a:p>
           <a:p>
             <a:pPr lvl="1"/>
             <a:r>
-              <a:rPr lang="en-US" smtClean="0"/>
+              <a:rPr lang="en-US"/>
               <a:t>Second level</a:t>
             </a:r>
           </a:p>
           <a:p>
             <a:pPr lvl="2"/>
             <a:r>
-              <a:rPr lang="en-US" smtClean="0"/>
+              <a:rPr lang="en-US"/>
               <a:t>Third level</a:t>
             </a:r>
           </a:p>
           <a:p>
             <a:pPr lvl="3"/>
             <a:r>
-              <a:rPr lang="en-US" smtClean="0"/>
+              <a:rPr lang="en-US"/>
               <a:t>Fourth level</a:t>
             </a:r>
           </a:p>
           <a:p>
             <a:pPr lvl="4"/>
             <a:r>
-              <a:rPr lang="en-US" smtClean="0"/>
+              <a:rPr lang="en-US"/>
               <a:t>Fifth level</a:t>
             </a:r>
-            <a:endParaRPr lang="en-US"/>
           </a:p>
         </p:txBody>
       </p:sp>
@@ -2920,7 +3021,7 @@
           <a:p>
             <a:pPr lvl="0"/>
             <a:r>
-              <a:rPr lang="en-US" smtClean="0"/>
+              <a:rPr lang="en-US"/>
               <a:t>Click to edit Master text styles</a:t>
             </a:r>
           </a:p>
@@ -2943,7 +3044,7 @@
           <a:p>
             <a:fld id="{662F117D-EAF5-8645-A325-02A697C158FB}" type="datetimeFigureOut">
               <a:rPr lang="en-US" smtClean="0"/>
-              <a:t>11/26/18</a:t>
+              <a:t>11/26/19</a:t>
             </a:fld>
             <a:endParaRPr lang="en-US"/>
           </a:p>
@@ -3046,10 +3147,9 @@
           </a:lstStyle>
           <a:p>
             <a:r>
-              <a:rPr lang="en-US" smtClean="0"/>
+              <a:rPr lang="en-US"/>
               <a:t>Click to edit Master title style</a:t>
             </a:r>
-            <a:endParaRPr lang="en-US"/>
           </a:p>
         </p:txBody>
       </p:sp>
@@ -3173,7 +3273,7 @@
           <a:p>
             <a:pPr lvl="0"/>
             <a:r>
-              <a:rPr lang="en-US" smtClean="0"/>
+              <a:rPr lang="en-US"/>
               <a:t>Click to edit Master text styles</a:t>
             </a:r>
           </a:p>
@@ -3196,7 +3296,7 @@
           <a:p>
             <a:fld id="{662F117D-EAF5-8645-A325-02A697C158FB}" type="datetimeFigureOut">
               <a:rPr lang="en-US" smtClean="0"/>
-              <a:t>11/26/18</a:t>
+              <a:t>11/26/19</a:t>
             </a:fld>
             <a:endParaRPr lang="en-US"/>
           </a:p>
@@ -3305,10 +3405,9 @@
           <a:lstStyle/>
           <a:p>
             <a:r>
-              <a:rPr lang="en-US" smtClean="0"/>
+              <a:rPr lang="en-US"/>
               <a:t>Click to edit Master title style</a:t>
             </a:r>
-            <a:endParaRPr lang="en-US"/>
           </a:p>
         </p:txBody>
       </p:sp>
@@ -3339,38 +3438,37 @@
           <a:p>
             <a:pPr lvl="0"/>
             <a:r>
-              <a:rPr lang="en-US" smtClean="0"/>
+              <a:rPr lang="en-US"/>
               <a:t>Click to edit Master text styles</a:t>
             </a:r>
           </a:p>
           <a:p>
             <a:pPr lvl="1"/>
             <a:r>
-              <a:rPr lang="en-US" smtClean="0"/>
+              <a:rPr lang="en-US"/>
               <a:t>Second level</a:t>
             </a:r>
           </a:p>
           <a:p>
             <a:pPr lvl="2"/>
             <a:r>
-              <a:rPr lang="en-US" smtClean="0"/>
+              <a:rPr lang="en-US"/>
               <a:t>Third level</a:t>
             </a:r>
           </a:p>
           <a:p>
             <a:pPr lvl="3"/>
             <a:r>
-              <a:rPr lang="en-US" smtClean="0"/>
+              <a:rPr lang="en-US"/>
               <a:t>Fourth level</a:t>
             </a:r>
           </a:p>
           <a:p>
             <a:pPr lvl="4"/>
             <a:r>
-              <a:rPr lang="en-US" smtClean="0"/>
+              <a:rPr lang="en-US"/>
               <a:t>Fifth level</a:t>
             </a:r>
-            <a:endParaRPr lang="en-US"/>
           </a:p>
         </p:txBody>
       </p:sp>
@@ -3409,7 +3507,7 @@
           <a:p>
             <a:fld id="{662F117D-EAF5-8645-A325-02A697C158FB}" type="datetimeFigureOut">
               <a:rPr lang="en-US" smtClean="0"/>
-              <a:t>11/26/18</a:t>
+              <a:t>11/26/19</a:t>
             </a:fld>
             <a:endParaRPr lang="en-US"/>
           </a:p>
@@ -3800,10 +3898,9 @@
           <a:lstStyle/>
           <a:p>
             <a:r>
-              <a:rPr lang="en-US" dirty="0" smtClean="0"/>
+              <a:rPr lang="en-US" dirty="0"/>
               <a:t>Logic Programming with Prolog</a:t>
             </a:r>
-            <a:endParaRPr lang="en-US" dirty="0"/>
           </a:p>
         </p:txBody>
       </p:sp>
@@ -3836,13 +3933,6 @@
   <p:clrMapOvr>
     <a:masterClrMapping/>
   </p:clrMapOvr>
-  <p:timing>
-    <p:tnLst>
-      <p:par>
-        <p:cTn xmlns:p14="http://schemas.microsoft.com/office/powerpoint/2010/main" id="1" dur="indefinite" restart="never" nodeType="tmRoot"/>
-      </p:par>
-    </p:tnLst>
-  </p:timing>
 </p:sld>
 </file>
 
@@ -3879,10 +3969,9 @@
           <a:lstStyle/>
           <a:p>
             <a:r>
-              <a:rPr lang="en-US" dirty="0" smtClean="0"/>
-              <a:t>Rules</a:t>
-            </a:r>
-            <a:endParaRPr lang="en-US" dirty="0"/>
+              <a:rPr lang="en-US" dirty="0"/>
+              <a:t>Unification</a:t>
+            </a:r>
           </a:p>
         </p:txBody>
       </p:sp>
@@ -3898,69 +3987,156 @@
         </p:nvSpPr>
         <p:spPr>
           <a:xfrm>
-            <a:off x="457200" y="1600200"/>
-            <a:ext cx="8229600" cy="5042088"/>
+            <a:off x="457200" y="1299882"/>
+            <a:ext cx="8229600" cy="4826281"/>
           </a:xfrm>
         </p:spPr>
         <p:txBody>
-          <a:bodyPr/>
-          <a:lstStyle/>
-          <a:p>
-            <a:r>
-              <a:rPr lang="en-US" dirty="0" smtClean="0"/>
-              <a:t>Variables in a goal are universally quantified</a:t>
-            </a:r>
-          </a:p>
-          <a:p>
-            <a:r>
-              <a:rPr lang="en-US" dirty="0" smtClean="0"/>
-              <a:t>Variables appearing only in sub-goals are existentially quantified</a:t>
-            </a:r>
-          </a:p>
-          <a:p>
-            <a:r>
-              <a:rPr lang="en-US" dirty="0" smtClean="0"/>
-              <a:t>suffix(A,B) :- append(X,A,B).</a:t>
-            </a:r>
-          </a:p>
-          <a:p>
-            <a:r>
-              <a:rPr lang="en-US" dirty="0" smtClean="0"/>
-              <a:t>For all, A,B, there exists X: append(X,A,B) =&gt; suffix(A,B)</a:t>
-            </a:r>
-          </a:p>
-          <a:p>
-            <a:r>
-              <a:rPr lang="en-US" dirty="0" smtClean="0"/>
-              <a:t>grandparent(X,Y) :- parent(X,Z),parent(Z,Y).</a:t>
-            </a:r>
-          </a:p>
-          <a:p>
-            <a:r>
-              <a:rPr lang="en-US" dirty="0" smtClean="0"/>
-              <a:t>For all X,Y, there exists Z: parent(X,Z) and parent(Z,Y) =&gt; grandparent(X,Y)</a:t>
-            </a:r>
+          <a:bodyPr>
+            <a:noAutofit/>
+          </a:bodyPr>
+          <a:lstStyle/>
+          <a:p>
+            <a:r>
+              <a:rPr lang="en-US" dirty="0"/>
+              <a:t>Rule    LHS :- RHS</a:t>
+            </a:r>
+          </a:p>
+          <a:p>
+            <a:r>
+              <a:rPr lang="en-US" dirty="0"/>
+              <a:t>LHS : Goal  </a:t>
+            </a:r>
+          </a:p>
+          <a:p>
+            <a:r>
+              <a:rPr lang="en-US" dirty="0"/>
+              <a:t>RHS : Sub-goals</a:t>
+            </a:r>
+          </a:p>
+          <a:p>
+            <a:pPr marL="0" indent="0">
+              <a:buNone/>
+            </a:pPr>
+            <a:r>
+              <a:rPr lang="en-US" dirty="0"/>
+              <a:t>	taking (maurice,comp131).</a:t>
+            </a:r>
+          </a:p>
+          <a:p>
+            <a:pPr marL="0" indent="0">
+              <a:buNone/>
+            </a:pPr>
+            <a:r>
+              <a:rPr lang="en-US" dirty="0"/>
+              <a:t>	taking (</a:t>
+            </a:r>
+            <a:r>
+              <a:rPr lang="en-US" dirty="0" err="1"/>
+              <a:t>carly</a:t>
+            </a:r>
+            <a:r>
+              <a:rPr lang="en-US" dirty="0"/>
+              <a:t>, </a:t>
+            </a:r>
+            <a:r>
+              <a:rPr lang="en-US" dirty="0" err="1"/>
+              <a:t>proglang</a:t>
+            </a:r>
+            <a:r>
+              <a:rPr lang="en-US" dirty="0"/>
+              <a:t>).</a:t>
+            </a:r>
+          </a:p>
+          <a:p>
+            <a:r>
+              <a:rPr lang="en-US" dirty="0"/>
+              <a:t>Query: taking (</a:t>
+            </a:r>
+            <a:r>
+              <a:rPr lang="en-US" dirty="0" err="1"/>
+              <a:t>X,proglang</a:t>
+            </a:r>
+            <a:r>
+              <a:rPr lang="en-US" dirty="0"/>
+              <a:t>),taking(</a:t>
+            </a:r>
+            <a:r>
+              <a:rPr lang="en-US" dirty="0" err="1"/>
+              <a:t>carly,Y</a:t>
+            </a:r>
+            <a:r>
+              <a:rPr lang="en-US" dirty="0"/>
+              <a:t>).</a:t>
+            </a:r>
+          </a:p>
+          <a:p>
+            <a:r>
+              <a:rPr lang="en-US" dirty="0"/>
+              <a:t>X = </a:t>
+            </a:r>
+            <a:r>
+              <a:rPr lang="en-US" dirty="0" err="1"/>
+              <a:t>carly</a:t>
+            </a:r>
+            <a:r>
+              <a:rPr lang="en-US" dirty="0"/>
+              <a:t>,</a:t>
+            </a:r>
+          </a:p>
+          <a:p>
+            <a:r>
+              <a:rPr lang="en-US" dirty="0"/>
+              <a:t>Y = </a:t>
+            </a:r>
+            <a:r>
+              <a:rPr lang="en-US" dirty="0" err="1"/>
+              <a:t>proglang</a:t>
+            </a:r>
+            <a:r>
+              <a:rPr lang="en-US" dirty="0"/>
+              <a:t>.</a:t>
+            </a:r>
+          </a:p>
+          <a:p>
+            <a:pPr marL="0" indent="0">
+              <a:buNone/>
+            </a:pPr>
             <a:endParaRPr lang="en-US" dirty="0"/>
+          </a:p>
+          <a:p>
+            <a:pPr marL="0" indent="0">
+              <a:buNone/>
+            </a:pPr>
+            <a:endParaRPr lang="en-US" dirty="0"/>
+          </a:p>
+          <a:p>
+            <a:pPr marL="0" indent="0">
+              <a:buNone/>
+            </a:pPr>
+            <a:endParaRPr lang="en-US" dirty="0"/>
+          </a:p>
+          <a:p>
+            <a:pPr marL="0" indent="0">
+              <a:buNone/>
+            </a:pPr>
+            <a:r>
+              <a:rPr lang="en-US" dirty="0"/>
+              <a:t>	</a:t>
+            </a:r>
           </a:p>
         </p:txBody>
       </p:sp>
     </p:spTree>
     <p:extLst>
       <p:ext uri="{BB962C8B-B14F-4D97-AF65-F5344CB8AC3E}">
-        <p14:creationId xmlns:p14="http://schemas.microsoft.com/office/powerpoint/2010/main" val="2747582894"/>
+        <p14:creationId xmlns:p14="http://schemas.microsoft.com/office/powerpoint/2010/main" val="1634298060"/>
       </p:ext>
     </p:extLst>
   </p:cSld>
   <p:clrMapOvr>
     <a:masterClrMapping/>
   </p:clrMapOvr>
-  <p:timing>
-    <p:tnLst>
-      <p:par>
-        <p:cTn xmlns:p14="http://schemas.microsoft.com/office/powerpoint/2010/main" id="1" dur="indefinite" restart="never" nodeType="tmRoot"/>
-      </p:par>
-    </p:tnLst>
-  </p:timing>
 </p:sld>
 </file>
 
@@ -3997,10 +4173,9 @@
           <a:lstStyle/>
           <a:p>
             <a:r>
-              <a:rPr lang="en-US" dirty="0" smtClean="0"/>
-              <a:t>Lists</a:t>
-            </a:r>
-            <a:endParaRPr lang="en-US" dirty="0"/>
+              <a:rPr lang="en-US" dirty="0"/>
+              <a:t>Rules</a:t>
+            </a:r>
           </a:p>
         </p:txBody>
       </p:sp>
@@ -4014,92 +4189,63 @@
             <p:ph idx="1"/>
           </p:nvPr>
         </p:nvSpPr>
-        <p:spPr/>
-        <p:txBody>
-          <a:bodyPr/>
-          <a:lstStyle/>
-          <a:p>
-            <a:r>
-              <a:rPr lang="en-US" dirty="0" err="1"/>
-              <a:t>myList</a:t>
-            </a:r>
-            <a:r>
-              <a:rPr lang="en-US" dirty="0"/>
-              <a:t>([</a:t>
-            </a:r>
-            <a:r>
-              <a:rPr lang="en-US" dirty="0" err="1"/>
-              <a:t>a,b,c,d</a:t>
-            </a:r>
-            <a:r>
-              <a:rPr lang="en-US" dirty="0"/>
-              <a:t>])</a:t>
-            </a:r>
-            <a:r>
-              <a:rPr lang="en-US" dirty="0" smtClean="0"/>
-              <a:t>.</a:t>
-            </a:r>
-            <a:endParaRPr lang="en-US" dirty="0"/>
-          </a:p>
-          <a:p>
-            <a:r>
-              <a:rPr lang="en-US" dirty="0" err="1"/>
-              <a:t>myList</a:t>
-            </a:r>
-            <a:r>
-              <a:rPr lang="en-US" dirty="0"/>
-              <a:t>([</a:t>
-            </a:r>
-            <a:r>
-              <a:rPr lang="en-US" dirty="0" err="1"/>
-              <a:t>joe,jacky,jammy,justin</a:t>
-            </a:r>
-            <a:r>
-              <a:rPr lang="en-US" dirty="0"/>
-              <a:t>])</a:t>
-            </a:r>
-            <a:r>
-              <a:rPr lang="en-US" dirty="0" smtClean="0"/>
-              <a:t>.</a:t>
-            </a:r>
-          </a:p>
-          <a:p>
-            <a:endParaRPr lang="en-US" dirty="0"/>
-          </a:p>
-          <a:p>
-            <a:endParaRPr lang="en-US" dirty="0" smtClean="0"/>
-          </a:p>
-          <a:p>
-            <a:endParaRPr lang="en-US" dirty="0"/>
-          </a:p>
-          <a:p>
-            <a:pPr marL="0" indent="0">
-              <a:buNone/>
-            </a:pPr>
-            <a:endParaRPr lang="en-US" dirty="0"/>
-          </a:p>
-          <a:p>
-            <a:endParaRPr lang="en-US" dirty="0"/>
+        <p:spPr>
+          <a:xfrm>
+            <a:off x="457200" y="1600200"/>
+            <a:ext cx="8229600" cy="5042088"/>
+          </a:xfrm>
+        </p:spPr>
+        <p:txBody>
+          <a:bodyPr/>
+          <a:lstStyle/>
+          <a:p>
+            <a:r>
+              <a:rPr lang="en-US" dirty="0"/>
+              <a:t>Variables in a goal are universally quantified</a:t>
+            </a:r>
+          </a:p>
+          <a:p>
+            <a:r>
+              <a:rPr lang="en-US" dirty="0"/>
+              <a:t>Variables appearing only in sub-goals are existentially quantified</a:t>
+            </a:r>
+          </a:p>
+          <a:p>
+            <a:r>
+              <a:rPr lang="en-US" dirty="0"/>
+              <a:t>suffix(A,B) :- append(X,A,B).</a:t>
+            </a:r>
+          </a:p>
+          <a:p>
+            <a:r>
+              <a:rPr lang="en-US" dirty="0"/>
+              <a:t>For all, A,B, there exists X: append(X,A,B) =&gt; suffix(A,B)</a:t>
+            </a:r>
+          </a:p>
+          <a:p>
+            <a:r>
+              <a:rPr lang="en-US" dirty="0"/>
+              <a:t>grandparent(X,Y) :- parent(X,Z),parent(Z,Y).</a:t>
+            </a:r>
+          </a:p>
+          <a:p>
+            <a:r>
+              <a:rPr lang="en-US" dirty="0"/>
+              <a:t>For all X,Y, there exists Z: parent(X,Z) and parent(Z,Y) =&gt; grandparent(X,Y)</a:t>
+            </a:r>
           </a:p>
         </p:txBody>
       </p:sp>
     </p:spTree>
     <p:extLst>
       <p:ext uri="{BB962C8B-B14F-4D97-AF65-F5344CB8AC3E}">
-        <p14:creationId xmlns:p14="http://schemas.microsoft.com/office/powerpoint/2010/main" val="3990517828"/>
+        <p14:creationId xmlns:p14="http://schemas.microsoft.com/office/powerpoint/2010/main" val="2747582894"/>
       </p:ext>
     </p:extLst>
   </p:cSld>
   <p:clrMapOvr>
     <a:masterClrMapping/>
   </p:clrMapOvr>
-  <p:timing>
-    <p:tnLst>
-      <p:par>
-        <p:cTn xmlns:p14="http://schemas.microsoft.com/office/powerpoint/2010/main" id="1" dur="indefinite" restart="never" nodeType="tmRoot"/>
-      </p:par>
-    </p:tnLst>
-  </p:timing>
 </p:sld>
 </file>
 
@@ -4136,10 +4282,9 @@
           <a:lstStyle/>
           <a:p>
             <a:r>
-              <a:rPr lang="en-US" dirty="0" smtClean="0"/>
+              <a:rPr lang="en-US" dirty="0"/>
               <a:t>Procedural Interpretation</a:t>
             </a:r>
-            <a:endParaRPr lang="en-US" dirty="0"/>
           </a:p>
         </p:txBody>
       </p:sp>
@@ -4159,31 +4304,30 @@
           <a:lstStyle/>
           <a:p>
             <a:r>
-              <a:rPr lang="en-US" dirty="0" smtClean="0"/>
+              <a:rPr lang="en-US" dirty="0"/>
               <a:t>A Prolog interpreter:</a:t>
             </a:r>
           </a:p>
           <a:p>
             <a:pPr lvl="1"/>
             <a:r>
-              <a:rPr lang="en-US" dirty="0" smtClean="0"/>
+              <a:rPr lang="en-US" dirty="0"/>
               <a:t> considers goals in a query from left to right</a:t>
             </a:r>
           </a:p>
           <a:p>
             <a:pPr lvl="1"/>
             <a:r>
-              <a:rPr lang="en-US" dirty="0" smtClean="0"/>
+              <a:rPr lang="en-US" dirty="0"/>
               <a:t>considers rules in the order they are listed in the program</a:t>
             </a:r>
           </a:p>
           <a:p>
             <a:pPr lvl="1"/>
             <a:r>
-              <a:rPr lang="en-US" dirty="0" smtClean="0"/>
+              <a:rPr lang="en-US" dirty="0"/>
               <a:t>considers sub-goals from left to right</a:t>
             </a:r>
-            <a:endParaRPr lang="en-US" dirty="0"/>
           </a:p>
         </p:txBody>
       </p:sp>
@@ -4197,13 +4341,6 @@
   <p:clrMapOvr>
     <a:masterClrMapping/>
   </p:clrMapOvr>
-  <p:timing>
-    <p:tnLst>
-      <p:par>
-        <p:cTn xmlns:p14="http://schemas.microsoft.com/office/powerpoint/2010/main" id="1" dur="indefinite" restart="never" nodeType="tmRoot"/>
-      </p:par>
-    </p:tnLst>
-  </p:timing>
 </p:sld>
 </file>
 
@@ -4240,10 +4377,9 @@
           <a:lstStyle/>
           <a:p>
             <a:r>
-              <a:rPr lang="en-US" dirty="0" smtClean="0"/>
+              <a:rPr lang="en-US" dirty="0"/>
               <a:t>Unification</a:t>
             </a:r>
-            <a:endParaRPr lang="en-US" dirty="0"/>
           </a:p>
         </p:txBody>
       </p:sp>
@@ -4268,13 +4404,13 @@
           <a:lstStyle/>
           <a:p>
             <a:r>
-              <a:rPr lang="en-US" dirty="0" smtClean="0"/>
+              <a:rPr lang="en-US" dirty="0"/>
               <a:t>When a rule is applied, the current sub-goal is unified against the rule’s goal.  As a result, substitution takes place:</a:t>
             </a:r>
           </a:p>
           <a:p>
             <a:r>
-              <a:rPr lang="en-US" dirty="0" smtClean="0"/>
+              <a:rPr lang="en-US" dirty="0"/>
               <a:t>E.g. member(3,[1, 2, 3]) unifies with member(X, [Y | Z]) and the resulting substitution is:</a:t>
             </a:r>
           </a:p>
@@ -4283,11 +4419,11 @@
               <a:buNone/>
             </a:pPr>
             <a:r>
-              <a:rPr lang="en-US" dirty="0" smtClean="0"/>
+              <a:rPr lang="en-US" dirty="0"/>
               <a:t>    X</a:t>
             </a:r>
             <a:r>
-              <a:rPr lang="en-US" dirty="0" smtClean="0">
+              <a:rPr lang="en-US" dirty="0">
                 <a:sym typeface="Wingdings"/>
               </a:rPr>
               <a:t>3  Y1  Z[2,3]</a:t>
@@ -4306,13 +4442,6 @@
   <p:clrMapOvr>
     <a:masterClrMapping/>
   </p:clrMapOvr>
-  <p:timing>
-    <p:tnLst>
-      <p:par>
-        <p:cTn xmlns:p14="http://schemas.microsoft.com/office/powerpoint/2010/main" id="1" dur="indefinite" restart="never" nodeType="tmRoot"/>
-      </p:par>
-    </p:tnLst>
-  </p:timing>
 </p:sld>
 </file>
 
@@ -4349,10 +4478,9 @@
           <a:lstStyle/>
           <a:p>
             <a:r>
-              <a:rPr lang="en-US" dirty="0" smtClean="0"/>
+              <a:rPr lang="en-US" dirty="0"/>
               <a:t>Unification </a:t>
             </a:r>
-            <a:endParaRPr lang="en-US" dirty="0"/>
           </a:p>
         </p:txBody>
       </p:sp>
@@ -4379,12 +4507,8 @@
           <a:lstStyle/>
           <a:p>
             <a:r>
-              <a:rPr lang="en-US" sz="3000" dirty="0" smtClean="0"/>
-              <a:t>studies</a:t>
-            </a:r>
-            <a:r>
               <a:rPr lang="en-US" sz="3000" dirty="0"/>
-              <a:t>(</a:t>
+              <a:t>studies(</a:t>
             </a:r>
             <a:r>
               <a:rPr lang="en-US" sz="3000" dirty="0" err="1"/>
@@ -4392,19 +4516,7 @@
             </a:r>
             <a:r>
               <a:rPr lang="en-US" sz="3000" dirty="0"/>
-              <a:t>, </a:t>
-            </a:r>
-            <a:r>
-              <a:rPr lang="en-US" sz="3000" dirty="0" smtClean="0"/>
-              <a:t>comp</a:t>
-            </a:r>
-            <a:r>
-              <a:rPr lang="en-US" sz="3000" dirty="0" smtClean="0"/>
-              <a:t>135</a:t>
-            </a:r>
-            <a:r>
-              <a:rPr lang="en-US" sz="3000" dirty="0"/>
-              <a:t>).</a:t>
+              <a:t>, comp135).</a:t>
             </a:r>
           </a:p>
         </p:txBody>
@@ -4417,7 +4529,7 @@
         </p:nvSpPr>
         <p:spPr>
           <a:xfrm>
-            <a:off x="457200" y="2690261"/>
+            <a:off x="474379" y="2707410"/>
             <a:ext cx="4097621" cy="553998"/>
           </a:xfrm>
           <a:prstGeom prst="rect">
@@ -4440,19 +4552,7 @@
             </a:r>
             <a:r>
               <a:rPr lang="en-US" sz="3000" dirty="0"/>
-              <a:t>, </a:t>
-            </a:r>
-            <a:r>
-              <a:rPr lang="en-US" sz="3000" dirty="0" smtClean="0"/>
-              <a:t>comp</a:t>
-            </a:r>
-            <a:r>
-              <a:rPr lang="en-US" sz="3000" dirty="0" smtClean="0"/>
-              <a:t>135</a:t>
-            </a:r>
-            <a:r>
-              <a:rPr lang="en-US" sz="3000" dirty="0"/>
-              <a:t>). </a:t>
+              <a:t>, comp135). </a:t>
             </a:r>
           </a:p>
         </p:txBody>
@@ -4488,27 +4588,14 @@
             </a:r>
             <a:r>
               <a:rPr lang="en-US" sz="3000" dirty="0"/>
-              <a:t>, </a:t>
-            </a:r>
-            <a:r>
-              <a:rPr lang="en-US" sz="3000" dirty="0" smtClean="0"/>
-              <a:t>comp135</a:t>
-            </a:r>
+              <a:t>, comp135).    </a:t>
+            </a:r>
+          </a:p>
+          <a:p>
             <a:r>
               <a:rPr lang="en-US" sz="3000" dirty="0"/>
-              <a:t>)</a:t>
-            </a:r>
-            <a:r>
-              <a:rPr lang="en-US" sz="3000" dirty="0" smtClean="0"/>
-              <a:t>.    </a:t>
-            </a:r>
-          </a:p>
-          <a:p>
-            <a:r>
-              <a:rPr lang="en-US" sz="3000" dirty="0" smtClean="0"/>
               <a:t>unifies with the following fact because terms match</a:t>
             </a:r>
-            <a:endParaRPr lang="en-US" sz="3000" dirty="0"/>
           </a:p>
         </p:txBody>
       </p:sp>
@@ -4544,15 +4631,7 @@
             </a:r>
             <a:r>
               <a:rPr lang="en-US" sz="3000" dirty="0"/>
-              <a:t>, </a:t>
-            </a:r>
-            <a:r>
-              <a:rPr lang="en-US" sz="3000" dirty="0" smtClean="0"/>
-              <a:t>comp135</a:t>
-            </a:r>
-            <a:r>
-              <a:rPr lang="en-US" sz="3000" dirty="0"/>
-              <a:t>).</a:t>
+              <a:t>, comp135).</a:t>
             </a:r>
           </a:p>
         </p:txBody>
@@ -4617,10 +4696,9 @@
           <a:lstStyle/>
           <a:p>
             <a:r>
-              <a:rPr lang="en-US" sz="3000" dirty="0" smtClean="0"/>
+              <a:rPr lang="en-US" sz="3000" dirty="0"/>
               <a:t>Matching of two terms in Prolog</a:t>
             </a:r>
-            <a:endParaRPr lang="en-US" sz="3000" dirty="0"/>
           </a:p>
         </p:txBody>
       </p:sp>
@@ -4647,28 +4725,8 @@
           <a:lstStyle/>
           <a:p>
             <a:r>
-              <a:rPr lang="en-US" sz="3000" dirty="0" smtClean="0"/>
-              <a:t>first </a:t>
-            </a:r>
-            <a:r>
               <a:rPr lang="en-US" sz="3000" dirty="0"/>
-              <a:t>unification takes place - terms are matched </a:t>
-            </a:r>
-            <a:r>
-              <a:rPr lang="en-US" sz="3000" dirty="0" smtClean="0"/>
-              <a:t>then </a:t>
-            </a:r>
-            <a:r>
-              <a:rPr lang="en-US" sz="3000" dirty="0"/>
-              <a:t>variable X gets instantiated to </a:t>
-            </a:r>
-            <a:r>
-              <a:rPr lang="en-US" sz="3000" dirty="0" smtClean="0"/>
-              <a:t>comp135</a:t>
-            </a:r>
-            <a:r>
-              <a:rPr lang="en-US" sz="3000" dirty="0"/>
-              <a:t>. </a:t>
+              <a:t>first unification takes place - terms are matched then variable X gets instantiated to comp135. </a:t>
             </a:r>
           </a:p>
         </p:txBody>
@@ -4683,13 +4741,6 @@
   <p:clrMapOvr>
     <a:masterClrMapping/>
   </p:clrMapOvr>
-  <p:timing>
-    <p:tnLst>
-      <p:par>
-        <p:cTn xmlns:p14="http://schemas.microsoft.com/office/powerpoint/2010/main" id="1" dur="indefinite" restart="never" nodeType="tmRoot"/>
-      </p:par>
-    </p:tnLst>
-  </p:timing>
 </p:sld>
 </file>
 
@@ -4726,54 +4777,92 @@
           <a:lstStyle/>
           <a:p>
             <a:r>
-              <a:rPr lang="en-US" dirty="0" smtClean="0"/>
-              <a:t>Unification and Instantiation</a:t>
-            </a:r>
+              <a:rPr lang="en-US" dirty="0"/>
+              <a:t>Lists</a:t>
+            </a:r>
+          </a:p>
+        </p:txBody>
+      </p:sp>
+      <p:sp>
+        <p:nvSpPr>
+          <p:cNvPr id="3" name="Content Placeholder 2"/>
+          <p:cNvSpPr>
+            <a:spLocks noGrp="1"/>
+          </p:cNvSpPr>
+          <p:nvPr>
+            <p:ph idx="1"/>
+          </p:nvPr>
+        </p:nvSpPr>
+        <p:spPr/>
+        <p:txBody>
+          <a:bodyPr/>
+          <a:lstStyle/>
+          <a:p>
+            <a:r>
+              <a:rPr lang="en-US" dirty="0" err="1"/>
+              <a:t>myList</a:t>
+            </a:r>
+            <a:r>
+              <a:rPr lang="en-US" dirty="0"/>
+              <a:t>([</a:t>
+            </a:r>
+            <a:r>
+              <a:rPr lang="en-US" dirty="0" err="1"/>
+              <a:t>a,b,c,d</a:t>
+            </a:r>
+            <a:r>
+              <a:rPr lang="en-US" dirty="0"/>
+              <a:t>]).</a:t>
+            </a:r>
+          </a:p>
+          <a:p>
+            <a:r>
+              <a:rPr lang="en-US" dirty="0" err="1"/>
+              <a:t>myList</a:t>
+            </a:r>
+            <a:r>
+              <a:rPr lang="en-US" dirty="0"/>
+              <a:t>([</a:t>
+            </a:r>
+            <a:r>
+              <a:rPr lang="en-US" dirty="0" err="1"/>
+              <a:t>joe,jacky,jammy,justin</a:t>
+            </a:r>
+            <a:r>
+              <a:rPr lang="en-US" dirty="0"/>
+              <a:t>]).</a:t>
+            </a:r>
+          </a:p>
+          <a:p>
             <a:endParaRPr lang="en-US" dirty="0"/>
           </a:p>
-        </p:txBody>
-      </p:sp>
-      <p:pic>
-        <p:nvPicPr>
-          <p:cNvPr id="4" name="Picture 3"/>
-          <p:cNvPicPr>
-            <a:picLocks noChangeAspect="1"/>
-          </p:cNvPicPr>
-          <p:nvPr/>
-        </p:nvPicPr>
-        <p:blipFill>
-          <a:blip r:embed="rId3"/>
-          <a:stretch>
-            <a:fillRect/>
-          </a:stretch>
-        </p:blipFill>
-        <p:spPr>
-          <a:xfrm>
-            <a:off x="1860177" y="1511301"/>
-            <a:ext cx="5132294" cy="2860778"/>
-          </a:xfrm>
-          <a:prstGeom prst="rect">
-            <a:avLst/>
-          </a:prstGeom>
-        </p:spPr>
-      </p:pic>
+          <a:p>
+            <a:endParaRPr lang="en-US" dirty="0"/>
+          </a:p>
+          <a:p>
+            <a:endParaRPr lang="en-US" dirty="0"/>
+          </a:p>
+          <a:p>
+            <a:pPr marL="0" indent="0">
+              <a:buNone/>
+            </a:pPr>
+            <a:endParaRPr lang="en-US" dirty="0"/>
+          </a:p>
+          <a:p>
+            <a:endParaRPr lang="en-US" dirty="0"/>
+          </a:p>
+        </p:txBody>
+      </p:sp>
     </p:spTree>
     <p:extLst>
       <p:ext uri="{BB962C8B-B14F-4D97-AF65-F5344CB8AC3E}">
-        <p14:creationId xmlns:p14="http://schemas.microsoft.com/office/powerpoint/2010/main" val="795588646"/>
+        <p14:creationId xmlns:p14="http://schemas.microsoft.com/office/powerpoint/2010/main" val="3990517828"/>
       </p:ext>
     </p:extLst>
   </p:cSld>
   <p:clrMapOvr>
     <a:masterClrMapping/>
   </p:clrMapOvr>
-  <p:timing>
-    <p:tnLst>
-      <p:par>
-        <p:cTn xmlns:p14="http://schemas.microsoft.com/office/powerpoint/2010/main" id="1" dur="indefinite" restart="never" nodeType="tmRoot"/>
-      </p:par>
-    </p:tnLst>
-  </p:timing>
 </p:sld>
 </file>
 
@@ -4810,196 +4899,46 @@
           <a:lstStyle/>
           <a:p>
             <a:r>
-              <a:rPr lang="en-US" dirty="0" smtClean="0"/>
-              <a:t>Unification</a:t>
-            </a:r>
-            <a:endParaRPr lang="en-US" dirty="0"/>
-          </a:p>
-        </p:txBody>
-      </p:sp>
-      <p:sp>
-        <p:nvSpPr>
-          <p:cNvPr id="3" name="Content Placeholder 2"/>
-          <p:cNvSpPr>
-            <a:spLocks noGrp="1"/>
-          </p:cNvSpPr>
-          <p:nvPr>
-            <p:ph idx="1"/>
-          </p:nvPr>
-        </p:nvSpPr>
+              <a:rPr lang="en-US" dirty="0"/>
+              <a:t>Unification and Instantiation</a:t>
+            </a:r>
+          </a:p>
+        </p:txBody>
+      </p:sp>
+      <p:pic>
+        <p:nvPicPr>
+          <p:cNvPr id="4" name="Picture 3"/>
+          <p:cNvPicPr>
+            <a:picLocks noChangeAspect="1"/>
+          </p:cNvPicPr>
+          <p:nvPr/>
+        </p:nvPicPr>
+        <p:blipFill>
+          <a:blip r:embed="rId3"/>
+          <a:stretch>
+            <a:fillRect/>
+          </a:stretch>
+        </p:blipFill>
         <p:spPr>
           <a:xfrm>
-            <a:off x="457200" y="1299882"/>
-            <a:ext cx="8229600" cy="4826281"/>
+            <a:off x="2005853" y="1695934"/>
+            <a:ext cx="5132294" cy="2860778"/>
           </a:xfrm>
+          <a:prstGeom prst="rect">
+            <a:avLst/>
+          </a:prstGeom>
         </p:spPr>
-        <p:txBody>
-          <a:bodyPr>
-            <a:noAutofit/>
-          </a:bodyPr>
-          <a:lstStyle/>
-          <a:p>
-            <a:r>
-              <a:rPr lang="en-US" dirty="0" smtClean="0"/>
-              <a:t>Rule    LHS :- RHS</a:t>
-            </a:r>
-          </a:p>
-          <a:p>
-            <a:r>
-              <a:rPr lang="en-US" dirty="0" smtClean="0"/>
-              <a:t>LHS : Goal  </a:t>
-            </a:r>
-          </a:p>
-          <a:p>
-            <a:r>
-              <a:rPr lang="en-US" dirty="0" smtClean="0"/>
-              <a:t>RHS : Sub-goals</a:t>
-            </a:r>
-            <a:endParaRPr lang="en-US" dirty="0"/>
-          </a:p>
-          <a:p>
-            <a:pPr marL="0" indent="0">
-              <a:buNone/>
-            </a:pPr>
-            <a:r>
-              <a:rPr lang="en-US" dirty="0" smtClean="0"/>
-              <a:t>	taking (</a:t>
-            </a:r>
-            <a:r>
-              <a:rPr lang="en-US" dirty="0"/>
-              <a:t>maurice,comp131).</a:t>
-            </a:r>
-          </a:p>
-          <a:p>
-            <a:pPr marL="0" indent="0">
-              <a:buNone/>
-            </a:pPr>
-            <a:r>
-              <a:rPr lang="en-US" dirty="0" smtClean="0"/>
-              <a:t>	taking (</a:t>
-            </a:r>
-            <a:r>
-              <a:rPr lang="en-US" dirty="0" err="1"/>
-              <a:t>carly</a:t>
-            </a:r>
-            <a:r>
-              <a:rPr lang="en-US" dirty="0" smtClean="0"/>
-              <a:t>, </a:t>
-            </a:r>
-            <a:r>
-              <a:rPr lang="en-US" dirty="0" err="1" smtClean="0"/>
-              <a:t>proglang</a:t>
-            </a:r>
-            <a:r>
-              <a:rPr lang="en-US" dirty="0"/>
-              <a:t>)</a:t>
-            </a:r>
-            <a:r>
-              <a:rPr lang="en-US" dirty="0" smtClean="0"/>
-              <a:t>.</a:t>
-            </a:r>
-          </a:p>
-          <a:p>
-            <a:r>
-              <a:rPr lang="en-US" dirty="0" smtClean="0"/>
-              <a:t>Query: taking (</a:t>
-            </a:r>
-            <a:r>
-              <a:rPr lang="en-US" dirty="0" err="1"/>
-              <a:t>X,proglang</a:t>
-            </a:r>
-            <a:r>
-              <a:rPr lang="en-US" dirty="0"/>
-              <a:t>),</a:t>
-            </a:r>
-            <a:r>
-              <a:rPr lang="en-US" dirty="0" smtClean="0"/>
-              <a:t>taking(</a:t>
-            </a:r>
-            <a:r>
-              <a:rPr lang="en-US" dirty="0" err="1"/>
-              <a:t>carly,Y</a:t>
-            </a:r>
-            <a:r>
-              <a:rPr lang="en-US" dirty="0"/>
-              <a:t>).</a:t>
-            </a:r>
-          </a:p>
-          <a:p>
-            <a:r>
-              <a:rPr lang="en-US" dirty="0"/>
-              <a:t>X = </a:t>
-            </a:r>
-            <a:r>
-              <a:rPr lang="en-US" dirty="0" err="1"/>
-              <a:t>carly</a:t>
-            </a:r>
-            <a:r>
-              <a:rPr lang="en-US" dirty="0"/>
-              <a:t>,</a:t>
-            </a:r>
-          </a:p>
-          <a:p>
-            <a:r>
-              <a:rPr lang="en-US" dirty="0"/>
-              <a:t>Y = </a:t>
-            </a:r>
-            <a:r>
-              <a:rPr lang="en-US" dirty="0" err="1"/>
-              <a:t>proglang</a:t>
-            </a:r>
-            <a:r>
-              <a:rPr lang="en-US" dirty="0" smtClean="0"/>
-              <a:t>.</a:t>
-            </a:r>
-          </a:p>
-          <a:p>
-            <a:pPr marL="0" indent="0">
-              <a:buNone/>
-            </a:pPr>
-            <a:endParaRPr lang="en-US" dirty="0"/>
-          </a:p>
-          <a:p>
-            <a:pPr marL="0" indent="0">
-              <a:buNone/>
-            </a:pPr>
-            <a:endParaRPr lang="en-US" dirty="0"/>
-          </a:p>
-          <a:p>
-            <a:pPr marL="0" indent="0">
-              <a:buNone/>
-            </a:pPr>
-            <a:endParaRPr lang="en-US" dirty="0" smtClean="0"/>
-          </a:p>
-          <a:p>
-            <a:pPr marL="0" indent="0">
-              <a:buNone/>
-            </a:pPr>
-            <a:r>
-              <a:rPr lang="en-US" dirty="0" smtClean="0"/>
-              <a:t>	</a:t>
-            </a:r>
-            <a:endParaRPr lang="en-US" dirty="0"/>
-          </a:p>
-        </p:txBody>
-      </p:sp>
+      </p:pic>
     </p:spTree>
     <p:extLst>
       <p:ext uri="{BB962C8B-B14F-4D97-AF65-F5344CB8AC3E}">
-        <p14:creationId xmlns:p14="http://schemas.microsoft.com/office/powerpoint/2010/main" val="1634298060"/>
+        <p14:creationId xmlns:p14="http://schemas.microsoft.com/office/powerpoint/2010/main" val="795588646"/>
       </p:ext>
     </p:extLst>
   </p:cSld>
   <p:clrMapOvr>
     <a:masterClrMapping/>
   </p:clrMapOvr>
-  <p:timing>
-    <p:tnLst>
-      <p:par>
-        <p:cTn xmlns:p14="http://schemas.microsoft.com/office/powerpoint/2010/main" id="1" dur="indefinite" restart="never" nodeType="tmRoot"/>
-      </p:par>
-    </p:tnLst>
-  </p:timing>
 </p:sld>
 </file>
 
@@ -5036,10 +4975,9 @@
           <a:lstStyle/>
           <a:p>
             <a:r>
-              <a:rPr lang="en-US" dirty="0" smtClean="0"/>
+              <a:rPr lang="en-US" dirty="0"/>
               <a:t>Backtracking</a:t>
             </a:r>
-            <a:endParaRPr lang="en-US" dirty="0"/>
           </a:p>
         </p:txBody>
       </p:sp>
@@ -5062,29 +5000,13 @@
           <a:p>
             <a:r>
               <a:rPr lang="en-US" dirty="0"/>
-              <a:t>Prolog repeatedly tries to </a:t>
-            </a:r>
-            <a:r>
-              <a:rPr lang="en-US" dirty="0" smtClean="0"/>
-              <a:t>find a </a:t>
-            </a:r>
-            <a:r>
-              <a:rPr lang="en-US" dirty="0"/>
-              <a:t>match and satisfy the goals by looking to the knowledge base in top-down manner.</a:t>
-            </a:r>
-          </a:p>
-          <a:p>
-            <a:r>
-              <a:rPr lang="en-US" dirty="0"/>
-              <a:t>When goals are given as conjunction, Prolog finds the match and satisfy </a:t>
-            </a:r>
-            <a:r>
-              <a:rPr lang="en-US" dirty="0" smtClean="0"/>
-              <a:t>sub-goals</a:t>
-            </a:r>
-            <a:r>
-              <a:rPr lang="en-US" dirty="0"/>
-              <a:t> </a:t>
+              <a:t>Prolog repeatedly tries to find a match and satisfy the goals by looking to the knowledge base in top-down manner.</a:t>
+            </a:r>
+          </a:p>
+          <a:p>
+            <a:r>
+              <a:rPr lang="en-US" dirty="0"/>
+              <a:t>When goals are given as conjunction, Prolog finds the match and satisfy sub-goals </a:t>
             </a:r>
             <a:r>
               <a:rPr lang="en-US" b="1" dirty="0"/>
@@ -5120,15 +5042,7 @@
           <a:p>
             <a:r>
               <a:rPr lang="en-US" dirty="0"/>
-              <a:t>prolog will first match and satisfy the left most </a:t>
-            </a:r>
-            <a:r>
-              <a:rPr lang="en-US" dirty="0" smtClean="0"/>
-              <a:t>sub-goal </a:t>
-            </a:r>
-            <a:r>
-              <a:rPr lang="en-US" dirty="0"/>
-              <a:t>i.e. likes(john, </a:t>
+              <a:t>prolog will first match and satisfy the left most sub-goal i.e. likes(john, </a:t>
             </a:r>
             <a:r>
               <a:rPr lang="en-US" dirty="0" err="1"/>
@@ -5160,13 +5074,6 @@
   <p:clrMapOvr>
     <a:masterClrMapping/>
   </p:clrMapOvr>
-  <p:timing>
-    <p:tnLst>
-      <p:par>
-        <p:cTn xmlns:p14="http://schemas.microsoft.com/office/powerpoint/2010/main" id="1" dur="indefinite" restart="never" nodeType="tmRoot"/>
-      </p:par>
-    </p:tnLst>
-  </p:timing>
 </p:sld>
 </file>
 
@@ -5203,10 +5110,9 @@
           <a:lstStyle/>
           <a:p>
             <a:r>
-              <a:rPr lang="en-US" dirty="0" smtClean="0"/>
+              <a:rPr lang="en-US" dirty="0"/>
               <a:t>Not Proven (\+)</a:t>
             </a:r>
-            <a:endParaRPr lang="en-US" dirty="0"/>
           </a:p>
         </p:txBody>
       </p:sp>
@@ -5226,35 +5132,35 @@
           <a:lstStyle/>
           <a:p>
             <a:r>
-              <a:rPr lang="en-US" dirty="0" smtClean="0"/>
+              <a:rPr lang="en-US" dirty="0"/>
               <a:t>Negates the meaning of the argument</a:t>
             </a:r>
           </a:p>
           <a:p>
             <a:r>
-              <a:rPr lang="en-US" dirty="0" smtClean="0"/>
+              <a:rPr lang="en-US" dirty="0"/>
               <a:t>\+ (student (</a:t>
             </a:r>
             <a:r>
-              <a:rPr lang="en-US" dirty="0" err="1" smtClean="0"/>
+              <a:rPr lang="en-US" dirty="0" err="1"/>
               <a:t>carly</a:t>
             </a:r>
             <a:r>
-              <a:rPr lang="en-US" dirty="0" smtClean="0"/>
+              <a:rPr lang="en-US" dirty="0"/>
               <a:t>) )  returns true if Prolog cannot prove that </a:t>
             </a:r>
             <a:r>
-              <a:rPr lang="en-US" dirty="0" err="1" smtClean="0"/>
+              <a:rPr lang="en-US" dirty="0" err="1"/>
               <a:t>carly</a:t>
             </a:r>
             <a:r>
-              <a:rPr lang="en-US" dirty="0" smtClean="0"/>
+              <a:rPr lang="en-US" dirty="0"/>
               <a:t> is a student</a:t>
             </a:r>
           </a:p>
           <a:p>
             <a:r>
-              <a:rPr lang="en-US" dirty="0" smtClean="0"/>
+              <a:rPr lang="en-US" dirty="0"/>
               <a:t>not( )</a:t>
             </a:r>
           </a:p>
@@ -5274,13 +5180,6 @@
   <p:clrMapOvr>
     <a:masterClrMapping/>
   </p:clrMapOvr>
-  <p:timing>
-    <p:tnLst>
-      <p:par>
-        <p:cTn xmlns:p14="http://schemas.microsoft.com/office/powerpoint/2010/main" id="1" dur="indefinite" restart="never" nodeType="tmRoot"/>
-      </p:par>
-    </p:tnLst>
-  </p:timing>
 </p:sld>
 </file>
 
@@ -5317,10 +5216,9 @@
           <a:lstStyle/>
           <a:p>
             <a:r>
-              <a:rPr lang="en-US" dirty="0" smtClean="0"/>
+              <a:rPr lang="en-US" dirty="0"/>
               <a:t>Numerical Comparison Predicates</a:t>
             </a:r>
-            <a:endParaRPr lang="en-US" dirty="0"/>
           </a:p>
         </p:txBody>
       </p:sp>
@@ -5342,7 +5240,7 @@
           <a:lstStyle/>
           <a:p>
             <a:r>
-              <a:rPr lang="en-US" dirty="0" smtClean="0"/>
+              <a:rPr lang="en-US" dirty="0"/>
               <a:t>Built-in Predicates for numerical comparison-</a:t>
             </a:r>
           </a:p>
@@ -5351,7 +5249,7 @@
               <a:buNone/>
             </a:pPr>
             <a:r>
-              <a:rPr lang="en-US" dirty="0" smtClean="0"/>
+              <a:rPr lang="en-US" dirty="0"/>
               <a:t>&lt;   less than</a:t>
             </a:r>
           </a:p>
@@ -5360,7 +5258,7 @@
               <a:buNone/>
             </a:pPr>
             <a:r>
-              <a:rPr lang="en-US" dirty="0" smtClean="0"/>
+              <a:rPr lang="en-US" dirty="0"/>
               <a:t>&gt;   greater than</a:t>
             </a:r>
           </a:p>
@@ -5369,12 +5267,8 @@
               <a:buNone/>
             </a:pPr>
             <a:r>
-              <a:rPr lang="en-US" dirty="0" smtClean="0"/>
-              <a:t>=   equal </a:t>
-            </a:r>
-            <a:r>
-              <a:rPr lang="en-US" dirty="0" smtClean="0"/>
-              <a:t>to</a:t>
+              <a:rPr lang="en-US" dirty="0"/>
+              <a:t>=   equal to</a:t>
             </a:r>
           </a:p>
           <a:p>
@@ -5382,7 +5276,7 @@
               <a:buNone/>
             </a:pPr>
             <a:r>
-              <a:rPr lang="en-US" dirty="0" smtClean="0"/>
+              <a:rPr lang="en-US" dirty="0"/>
               <a:t>\=  not equal</a:t>
             </a:r>
           </a:p>
@@ -5391,7 +5285,7 @@
               <a:buNone/>
             </a:pPr>
             <a:r>
-              <a:rPr lang="en-US" dirty="0" smtClean="0"/>
+              <a:rPr lang="en-US" dirty="0"/>
               <a:t>=&lt;  less than or equal to</a:t>
             </a:r>
           </a:p>
@@ -5400,18 +5294,17 @@
               <a:buNone/>
             </a:pPr>
             <a:r>
-              <a:rPr lang="en-US" dirty="0" smtClean="0"/>
+              <a:rPr lang="en-US" dirty="0"/>
               <a:t>=</a:t>
             </a:r>
             <a:r>
-              <a:rPr lang="en-US" smtClean="0"/>
+              <a:rPr lang="en-US"/>
               <a:t>&gt;  greater </a:t>
             </a:r>
             <a:r>
-              <a:rPr lang="en-US" dirty="0" smtClean="0"/>
+              <a:rPr lang="en-US" dirty="0"/>
               <a:t>than or equal to</a:t>
             </a:r>
-            <a:endParaRPr lang="en-US" dirty="0" smtClean="0"/>
           </a:p>
           <a:p>
             <a:pPr marL="457200" lvl="1" indent="0">
@@ -5444,13 +5337,6 @@
   <p:clrMapOvr>
     <a:masterClrMapping/>
   </p:clrMapOvr>
-  <p:timing>
-    <p:tnLst>
-      <p:par>
-        <p:cTn xmlns:p14="http://schemas.microsoft.com/office/powerpoint/2010/main" id="1" dur="indefinite" restart="never" nodeType="tmRoot"/>
-      </p:par>
-    </p:tnLst>
-  </p:timing>
 </p:sld>
 </file>
 
@@ -5487,104 +5373,95 @@
           <a:lstStyle/>
           <a:p>
             <a:r>
-              <a:rPr lang="en-US" dirty="0" smtClean="0"/>
+              <a:rPr lang="en-US" dirty="0"/>
               <a:t>Syntax</a:t>
             </a:r>
+          </a:p>
+        </p:txBody>
+      </p:sp>
+      <p:sp>
+        <p:nvSpPr>
+          <p:cNvPr id="3" name="Content Placeholder 2"/>
+          <p:cNvSpPr>
+            <a:spLocks noGrp="1"/>
+          </p:cNvSpPr>
+          <p:nvPr>
+            <p:ph idx="1"/>
+          </p:nvPr>
+        </p:nvSpPr>
+        <p:spPr/>
+        <p:txBody>
+          <a:bodyPr/>
+          <a:lstStyle/>
+          <a:p>
+            <a:r>
+              <a:rPr lang="en-US" dirty="0"/>
+              <a:t>Basic unit – term</a:t>
+            </a:r>
+          </a:p>
+          <a:p>
+            <a:r>
+              <a:rPr lang="en-US" dirty="0"/>
+              <a:t>Simple term - (number, variable, atom)</a:t>
+            </a:r>
+          </a:p>
+          <a:p>
+            <a:r>
+              <a:rPr lang="en-US" dirty="0"/>
+              <a:t>atom- begins with a lower case letter</a:t>
+            </a:r>
+          </a:p>
+          <a:p>
+            <a:r>
+              <a:rPr lang="en-US" dirty="0"/>
+              <a:t>Compound term – atom (term1, term2…).</a:t>
+            </a:r>
+          </a:p>
+          <a:p>
+            <a:pPr lvl="1"/>
+            <a:r>
+              <a:rPr lang="en-US" dirty="0" err="1"/>
+              <a:t>isMember</a:t>
+            </a:r>
+            <a:r>
+              <a:rPr lang="en-US" dirty="0"/>
+              <a:t>(1, [1, 2]).</a:t>
+            </a:r>
+          </a:p>
+          <a:p>
+            <a:pPr lvl="1"/>
+            <a:r>
+              <a:rPr lang="en-US" dirty="0" err="1"/>
+              <a:t>isMember</a:t>
+            </a:r>
+            <a:r>
+              <a:rPr lang="en-US" dirty="0"/>
+              <a:t> is an atom called </a:t>
+            </a:r>
+            <a:r>
+              <a:rPr lang="en-US" b="1" dirty="0" err="1"/>
+              <a:t>functor</a:t>
+            </a:r>
+            <a:endParaRPr lang="en-US" b="1" dirty="0"/>
+          </a:p>
+          <a:p>
+            <a:pPr lvl="1"/>
+            <a:r>
+              <a:rPr lang="en-US" dirty="0"/>
+              <a:t>parenthesized terms are called </a:t>
+            </a:r>
+            <a:r>
+              <a:rPr lang="en-US" b="1" dirty="0"/>
+              <a:t>arguments</a:t>
+            </a:r>
+          </a:p>
+          <a:p>
+            <a:pPr lvl="1"/>
             <a:endParaRPr lang="en-US" dirty="0"/>
           </a:p>
-        </p:txBody>
-      </p:sp>
-      <p:sp>
-        <p:nvSpPr>
-          <p:cNvPr id="3" name="Content Placeholder 2"/>
-          <p:cNvSpPr>
-            <a:spLocks noGrp="1"/>
-          </p:cNvSpPr>
-          <p:nvPr>
-            <p:ph idx="1"/>
-          </p:nvPr>
-        </p:nvSpPr>
-        <p:spPr/>
-        <p:txBody>
-          <a:bodyPr/>
-          <a:lstStyle/>
-          <a:p>
-            <a:r>
-              <a:rPr lang="en-US" dirty="0" smtClean="0"/>
-              <a:t>Basic unit – term</a:t>
-            </a:r>
-          </a:p>
-          <a:p>
-            <a:r>
-              <a:rPr lang="en-US" dirty="0" smtClean="0"/>
-              <a:t>Simple term - (number, variable, atom)</a:t>
-            </a:r>
-          </a:p>
-          <a:p>
-            <a:r>
-              <a:rPr lang="en-US" dirty="0" smtClean="0"/>
-              <a:t>atom- </a:t>
-            </a:r>
-            <a:r>
-              <a:rPr lang="en-US" dirty="0" smtClean="0"/>
-              <a:t>begins </a:t>
-            </a:r>
-            <a:r>
-              <a:rPr lang="en-US" dirty="0" smtClean="0"/>
-              <a:t>with a lower case letter</a:t>
-            </a:r>
-          </a:p>
-          <a:p>
-            <a:r>
-              <a:rPr lang="en-US" dirty="0" smtClean="0"/>
-              <a:t>Compound term – atom (term1, term2…).</a:t>
-            </a:r>
-          </a:p>
           <a:p>
             <a:pPr lvl="1"/>
-            <a:r>
-              <a:rPr lang="en-US" dirty="0" err="1" smtClean="0"/>
-              <a:t>isMember</a:t>
-            </a:r>
-            <a:r>
-              <a:rPr lang="en-US" dirty="0" smtClean="0"/>
-              <a:t>(1, [1, 2]).</a:t>
-            </a:r>
-          </a:p>
-          <a:p>
-            <a:pPr lvl="1"/>
-            <a:r>
-              <a:rPr lang="en-US" dirty="0" err="1" smtClean="0"/>
-              <a:t>isMember</a:t>
-            </a:r>
-            <a:r>
-              <a:rPr lang="en-US" dirty="0" smtClean="0"/>
-              <a:t> is an atom called </a:t>
-            </a:r>
-            <a:r>
-              <a:rPr lang="en-US" b="1" dirty="0" err="1" smtClean="0"/>
-              <a:t>functor</a:t>
-            </a:r>
-            <a:endParaRPr lang="en-US" b="1" dirty="0" smtClean="0"/>
-          </a:p>
-          <a:p>
-            <a:pPr lvl="1"/>
-            <a:r>
-              <a:rPr lang="en-US" dirty="0" smtClean="0"/>
-              <a:t>parenthesized terms are called </a:t>
-            </a:r>
-            <a:r>
-              <a:rPr lang="en-US" b="1" dirty="0" smtClean="0"/>
-              <a:t>arguments</a:t>
-            </a:r>
-          </a:p>
-          <a:p>
-            <a:pPr lvl="1"/>
-            <a:endParaRPr lang="en-US" dirty="0" smtClean="0"/>
-          </a:p>
-          <a:p>
-            <a:pPr lvl="1"/>
-            <a:endParaRPr lang="en-US" dirty="0" smtClean="0"/>
+            <a:endParaRPr lang="en-US" dirty="0"/>
           </a:p>
           <a:p>
             <a:endParaRPr lang="en-US" dirty="0"/>
@@ -5601,13 +5478,6 @@
   <p:clrMapOvr>
     <a:masterClrMapping/>
   </p:clrMapOvr>
-  <p:timing>
-    <p:tnLst>
-      <p:par>
-        <p:cTn xmlns:p14="http://schemas.microsoft.com/office/powerpoint/2010/main" id="1" dur="indefinite" restart="never" nodeType="tmRoot"/>
-      </p:par>
-    </p:tnLst>
-  </p:timing>
 </p:sld>
 </file>
 
@@ -5644,10 +5514,9 @@
           <a:lstStyle/>
           <a:p>
             <a:r>
-              <a:rPr lang="en-US" dirty="0" smtClean="0"/>
+              <a:rPr lang="en-US" dirty="0"/>
               <a:t>Examples</a:t>
             </a:r>
-            <a:endParaRPr lang="en-US" dirty="0"/>
           </a:p>
         </p:txBody>
       </p:sp>
@@ -5660,7 +5529,7 @@
           <p:nvPr/>
         </p:nvPicPr>
         <p:blipFill>
-          <a:blip r:embed="rId2"/>
+          <a:blip r:embed="rId3"/>
           <a:stretch>
             <a:fillRect/>
           </a:stretch>
@@ -5684,7 +5553,7 @@
           <p:nvPr/>
         </p:nvPicPr>
         <p:blipFill>
-          <a:blip r:embed="rId3"/>
+          <a:blip r:embed="rId4"/>
           <a:stretch>
             <a:fillRect/>
           </a:stretch>
@@ -5708,7 +5577,7 @@
           <p:nvPr/>
         </p:nvPicPr>
         <p:blipFill>
-          <a:blip r:embed="rId4"/>
+          <a:blip r:embed="rId5"/>
           <a:stretch>
             <a:fillRect/>
           </a:stretch>
@@ -5746,10 +5615,9 @@
           <a:lstStyle/>
           <a:p>
             <a:r>
-              <a:rPr lang="en-US" sz="2800" dirty="0" smtClean="0"/>
+              <a:rPr lang="en-US" sz="2800" dirty="0"/>
               <a:t>Rule for ancestor(X,Y) ?</a:t>
             </a:r>
-            <a:endParaRPr lang="en-US" sz="2800" dirty="0"/>
           </a:p>
         </p:txBody>
       </p:sp>
@@ -5776,18 +5644,17 @@
           <a:lstStyle/>
           <a:p>
             <a:r>
-              <a:rPr lang="en-US" sz="2400" b="1" dirty="0" smtClean="0"/>
+              <a:rPr lang="en-US" sz="2400" b="1" dirty="0"/>
               <a:t>Goal </a:t>
             </a:r>
             <a:r>
-              <a:rPr lang="en-US" sz="2400" b="1" dirty="0" err="1" smtClean="0"/>
+              <a:rPr lang="en-US" sz="2400" b="1" dirty="0" err="1"/>
               <a:t>vs</a:t>
             </a:r>
             <a:r>
-              <a:rPr lang="en-US" sz="2400" b="1" dirty="0" smtClean="0"/>
+              <a:rPr lang="en-US" sz="2400" b="1" dirty="0"/>
               <a:t> Sub-Goals ?</a:t>
             </a:r>
-            <a:endParaRPr lang="en-US" sz="2400" b="1" dirty="0"/>
           </a:p>
         </p:txBody>
       </p:sp>
@@ -5801,13 +5668,6 @@
   <p:clrMapOvr>
     <a:masterClrMapping/>
   </p:clrMapOvr>
-  <p:timing>
-    <p:tnLst>
-      <p:par>
-        <p:cTn xmlns:p14="http://schemas.microsoft.com/office/powerpoint/2010/main" id="1" dur="indefinite" restart="never" nodeType="tmRoot"/>
-      </p:par>
-    </p:tnLst>
-  </p:timing>
 </p:sld>
 </file>
 
@@ -5846,14 +5706,9 @@
           <a:lstStyle/>
           <a:p>
             <a:r>
-              <a:rPr lang="en-US" dirty="0" smtClean="0"/>
-              <a:t>Relations for </a:t>
-            </a:r>
-            <a:r>
-              <a:rPr lang="en-US" dirty="0" smtClean="0"/>
-              <a:t>Data Structures</a:t>
-            </a:r>
-            <a:endParaRPr lang="en-US" dirty="0"/>
+              <a:rPr lang="en-US" dirty="0"/>
+              <a:t>Relations for Data Structures</a:t>
+            </a:r>
           </a:p>
         </p:txBody>
       </p:sp>
@@ -5873,59 +5728,42 @@
           <a:lstStyle/>
           <a:p>
             <a:r>
-              <a:rPr lang="en-US" dirty="0" smtClean="0"/>
+              <a:rPr lang="en-US" dirty="0"/>
               <a:t>Build, and Query a sorted Binary Tree</a:t>
             </a:r>
           </a:p>
           <a:p>
             <a:r>
-              <a:rPr lang="en-US" dirty="0" smtClean="0"/>
+              <a:rPr lang="en-US" dirty="0"/>
               <a:t>node (L, D, R) </a:t>
             </a:r>
           </a:p>
           <a:p>
             <a:pPr lvl="1"/>
             <a:r>
-              <a:rPr lang="en-US" dirty="0" smtClean="0"/>
+              <a:rPr lang="en-US" dirty="0"/>
               <a:t>L: Left sub-tree</a:t>
             </a:r>
           </a:p>
           <a:p>
             <a:pPr lvl="1"/>
             <a:r>
-              <a:rPr lang="en-US" dirty="0" smtClean="0"/>
+              <a:rPr lang="en-US" dirty="0"/>
               <a:t>R: Right sub-tree</a:t>
             </a:r>
           </a:p>
           <a:p>
             <a:pPr lvl="1"/>
             <a:r>
-              <a:rPr lang="en-US" dirty="0" smtClean="0"/>
-              <a:t>D: </a:t>
-            </a:r>
-            <a:r>
-              <a:rPr lang="en-US" dirty="0"/>
-              <a:t>D</a:t>
-            </a:r>
-            <a:r>
-              <a:rPr lang="en-US" dirty="0" smtClean="0"/>
-              <a:t>ata value</a:t>
-            </a:r>
-            <a:endParaRPr lang="en-US" dirty="0" smtClean="0"/>
+              <a:rPr lang="en-US" dirty="0"/>
+              <a:t>D: Data value</a:t>
+            </a:r>
           </a:p>
           <a:p>
             <a:pPr lvl="1"/>
             <a:r>
-              <a:rPr lang="en-US" dirty="0" smtClean="0"/>
-              <a:t>a </a:t>
-            </a:r>
-            <a:r>
-              <a:rPr lang="en-US" dirty="0" smtClean="0"/>
-              <a:t>tree </a:t>
-            </a:r>
-            <a:r>
-              <a:rPr lang="en-US" dirty="0" smtClean="0"/>
-              <a:t>could also be “empty”</a:t>
+              <a:rPr lang="en-US" dirty="0"/>
+              <a:t>a tree could also be “empty”</a:t>
             </a:r>
           </a:p>
           <a:p>
@@ -5944,13 +5782,6 @@
   <p:clrMapOvr>
     <a:masterClrMapping/>
   </p:clrMapOvr>
-  <p:timing>
-    <p:tnLst>
-      <p:par>
-        <p:cTn xmlns:p14="http://schemas.microsoft.com/office/powerpoint/2010/main" id="1" dur="indefinite" restart="never" nodeType="tmRoot"/>
-      </p:par>
-    </p:tnLst>
-  </p:timing>
 </p:sld>
 </file>
 
@@ -5987,10 +5818,9 @@
           <a:lstStyle/>
           <a:p>
             <a:r>
-              <a:rPr lang="en-US" dirty="0" smtClean="0"/>
+              <a:rPr lang="en-US" dirty="0"/>
               <a:t>First Order Logic</a:t>
             </a:r>
-            <a:endParaRPr lang="en-US" dirty="0"/>
           </a:p>
         </p:txBody>
       </p:sp>
@@ -6032,13 +5862,9 @@
             <a:pPr lvl="1"/>
             <a:r>
               <a:rPr lang="en-US" dirty="0"/>
-              <a:t>(A or B) and </a:t>
-            </a:r>
-            <a:r>
-              <a:rPr lang="en-US" dirty="0" smtClean="0"/>
-              <a:t>C</a:t>
-            </a:r>
-            <a:endParaRPr lang="en-US" dirty="0" smtClean="0">
+              <a:t>(A or B) and C</a:t>
+            </a:r>
+            <a:endParaRPr lang="en-US" dirty="0">
               <a:solidFill>
                 <a:prstClr val="black"/>
               </a:solidFill>
@@ -6046,21 +5872,13 @@
           </a:p>
           <a:p>
             <a:pPr lvl="0"/>
-            <a:r>
-              <a:rPr lang="en-US" dirty="0" smtClean="0">
-                <a:solidFill>
-                  <a:prstClr val="black"/>
-                </a:solidFill>
-              </a:rPr>
-              <a:t>FOL </a:t>
-            </a:r>
             <a:r>
               <a:rPr lang="en-US" dirty="0">
                 <a:solidFill>
                   <a:prstClr val="black"/>
                 </a:solidFill>
               </a:rPr>
-              <a:t>/ Predicate Logic / Predicate Calculus : </a:t>
+              <a:t>FOL / Predicate Logic / Predicate Calculus : </a:t>
             </a:r>
           </a:p>
           <a:p>
@@ -6082,15 +5900,7 @@
                   <a:prstClr val="black"/>
                 </a:solidFill>
               </a:rPr>
-              <a:t>objects </a:t>
-            </a:r>
-            <a:r>
-              <a:rPr lang="en-US" dirty="0" smtClean="0">
-                <a:solidFill>
-                  <a:prstClr val="black"/>
-                </a:solidFill>
-              </a:rPr>
-              <a:t>: </a:t>
+              <a:t>objects : </a:t>
             </a:r>
             <a:r>
               <a:rPr lang="en-US" dirty="0" err="1">
@@ -6146,15 +5956,31 @@
                   <a:prstClr val="black"/>
                 </a:solidFill>
               </a:rPr>
-              <a:t>relations </a:t>
-            </a:r>
-            <a:r>
-              <a:rPr lang="en-US" dirty="0" smtClean="0">
+              <a:t>relations : student (</a:t>
+            </a:r>
+            <a:r>
+              <a:rPr lang="en-US" dirty="0" err="1">
                 <a:solidFill>
                   <a:prstClr val="black"/>
                 </a:solidFill>
               </a:rPr>
-              <a:t>: student </a:t>
+              <a:t>joanne</a:t>
+            </a:r>
+            <a:r>
+              <a:rPr lang="en-US" dirty="0">
+                <a:solidFill>
+                  <a:prstClr val="black"/>
+                </a:solidFill>
+              </a:rPr>
+              <a:t>) </a:t>
+            </a:r>
+            <a:r>
+              <a:rPr lang="en-US" dirty="0" err="1">
+                <a:solidFill>
+                  <a:prstClr val="black"/>
+                </a:solidFill>
+              </a:rPr>
+              <a:t>takingCourse</a:t>
             </a:r>
             <a:r>
               <a:rPr lang="en-US" dirty="0">
@@ -6170,23 +5996,7 @@
                   <a:prstClr val="black"/>
                 </a:solidFill>
               </a:rPr>
-              <a:t>joanne</a:t>
-            </a:r>
-            <a:r>
-              <a:rPr lang="en-US" dirty="0" smtClean="0">
-                <a:solidFill>
-                  <a:prstClr val="black"/>
-                </a:solidFill>
-              </a:rPr>
-              <a:t>) </a:t>
-            </a:r>
-            <a:r>
-              <a:rPr lang="en-US" dirty="0" err="1">
-                <a:solidFill>
-                  <a:prstClr val="black"/>
-                </a:solidFill>
-              </a:rPr>
-              <a:t>takingCourse</a:t>
+              <a:t>joanne,compNetworks</a:t>
             </a:r>
             <a:r>
               <a:rPr lang="en-US" dirty="0">
@@ -6194,45 +6004,21 @@
                   <a:prstClr val="black"/>
                 </a:solidFill>
               </a:rPr>
-              <a:t>(</a:t>
-            </a:r>
-            <a:r>
-              <a:rPr lang="en-US" dirty="0" err="1">
-                <a:solidFill>
-                  <a:prstClr val="black"/>
-                </a:solidFill>
-              </a:rPr>
-              <a:t>joanne</a:t>
-            </a:r>
-            <a:r>
-              <a:rPr lang="en-US" dirty="0" err="1" smtClean="0">
-                <a:solidFill>
-                  <a:prstClr val="black"/>
-                </a:solidFill>
-              </a:rPr>
-              <a:t>,compNetworks</a:t>
-            </a:r>
-            <a:r>
-              <a:rPr lang="en-US" dirty="0" smtClean="0">
-                <a:solidFill>
-                  <a:prstClr val="black"/>
-                </a:solidFill>
-              </a:rPr>
               <a:t>)</a:t>
             </a:r>
-            <a:endParaRPr lang="en-US" dirty="0" smtClean="0"/>
+            <a:endParaRPr lang="en-US" dirty="0"/>
           </a:p>
           <a:p>
             <a:pPr lvl="1"/>
             <a:r>
-              <a:rPr lang="en-US" dirty="0" smtClean="0"/>
+              <a:rPr lang="en-US" dirty="0"/>
               <a:t>quantifiers - there exists, for all</a:t>
             </a:r>
           </a:p>
           <a:p>
             <a:pPr lvl="1"/>
             <a:r>
-              <a:rPr lang="en-US" dirty="0" smtClean="0"/>
+              <a:rPr lang="en-US" dirty="0"/>
               <a:t>variables – X, A, Y</a:t>
             </a:r>
           </a:p>
@@ -6254,13 +6040,6 @@
   <p:clrMapOvr>
     <a:masterClrMapping/>
   </p:clrMapOvr>
-  <p:timing>
-    <p:tnLst>
-      <p:par>
-        <p:cTn xmlns:p14="http://schemas.microsoft.com/office/powerpoint/2010/main" id="1" dur="indefinite" restart="never" nodeType="tmRoot"/>
-      </p:par>
-    </p:tnLst>
-  </p:timing>
 </p:sld>
 </file>
 
@@ -6297,10 +6076,9 @@
           <a:lstStyle/>
           <a:p>
             <a:r>
-              <a:rPr lang="en-US" dirty="0" smtClean="0"/>
+              <a:rPr lang="en-US" dirty="0"/>
               <a:t>Prolog Conventions</a:t>
             </a:r>
-            <a:endParaRPr lang="en-US" dirty="0"/>
           </a:p>
         </p:txBody>
       </p:sp>
@@ -6325,69 +6103,65 @@
           <a:lstStyle/>
           <a:p>
             <a:r>
-              <a:rPr lang="en-US" dirty="0" smtClean="0"/>
+              <a:rPr lang="en-US" dirty="0"/>
               <a:t>objects and relations – begin with lower case</a:t>
             </a:r>
           </a:p>
           <a:p>
-            <a:endParaRPr lang="en-US" dirty="0" smtClean="0"/>
-          </a:p>
-          <a:p>
-            <a:r>
-              <a:rPr lang="en-US" dirty="0" smtClean="0"/>
-              <a:t>Variables </a:t>
-            </a:r>
-            <a:r>
-              <a:rPr lang="en-US" dirty="0" smtClean="0"/>
-              <a:t>– begin with upper case</a:t>
-            </a:r>
-          </a:p>
-          <a:p>
-            <a:endParaRPr lang="en-US" dirty="0" smtClean="0"/>
-          </a:p>
-          <a:p>
-            <a:r>
-              <a:rPr lang="en-US" dirty="0" smtClean="0"/>
+            <a:endParaRPr lang="en-US" dirty="0"/>
+          </a:p>
+          <a:p>
+            <a:r>
+              <a:rPr lang="en-US" dirty="0"/>
+              <a:t>Variables – begin with upper case</a:t>
+            </a:r>
+          </a:p>
+          <a:p>
+            <a:endParaRPr lang="en-US" dirty="0"/>
+          </a:p>
+          <a:p>
+            <a:r>
+              <a:rPr lang="en-US" dirty="0"/>
               <a:t>Unary relation – p(q) : q is p </a:t>
             </a:r>
           </a:p>
           <a:p>
             <a:pPr lvl="1"/>
             <a:r>
-              <a:rPr lang="en-US" dirty="0" smtClean="0"/>
+              <a:rPr lang="en-US" dirty="0"/>
               <a:t>white(board).</a:t>
             </a:r>
           </a:p>
           <a:p>
             <a:pPr lvl="1"/>
-            <a:endParaRPr lang="en-US" dirty="0" smtClean="0"/>
-          </a:p>
-          <a:p>
-            <a:r>
-              <a:rPr lang="en-US" dirty="0" smtClean="0"/>
+            <a:endParaRPr lang="en-US" dirty="0"/>
+          </a:p>
+          <a:p>
+            <a:r>
+              <a:rPr lang="en-US" dirty="0"/>
               <a:t>Binary relation – p(</a:t>
             </a:r>
             <a:r>
-              <a:rPr lang="en-US" dirty="0" err="1" smtClean="0"/>
+              <a:rPr lang="en-US" dirty="0" err="1"/>
               <a:t>q,r</a:t>
             </a:r>
             <a:r>
-              <a:rPr lang="en-US" dirty="0" smtClean="0"/>
+              <a:rPr lang="en-US" dirty="0"/>
               <a:t>) : q is p </a:t>
             </a:r>
             <a:r>
-              <a:rPr lang="en-US" dirty="0" err="1" smtClean="0"/>
+              <a:rPr lang="en-US" dirty="0" err="1"/>
               <a:t>w.r.t</a:t>
             </a:r>
             <a:r>
-              <a:rPr lang="en-US" dirty="0" smtClean="0"/>
+              <a:rPr lang="en-US" dirty="0"/>
               <a:t> r</a:t>
             </a:r>
           </a:p>
           <a:p>
             <a:pPr lvl="1"/>
             <a:r>
-              <a:rPr lang="en-US" dirty="0" smtClean="0"/>
+              <a:rPr lang="en-US" dirty="0"/>
               <a:t>warmer(inside, outside).</a:t>
             </a:r>
           </a:p>
@@ -6406,13 +6180,6 @@
   <p:clrMapOvr>
     <a:masterClrMapping/>
   </p:clrMapOvr>
-  <p:timing>
-    <p:tnLst>
-      <p:par>
-        <p:cTn xmlns:p14="http://schemas.microsoft.com/office/powerpoint/2010/main" id="1" dur="indefinite" restart="never" nodeType="tmRoot"/>
-      </p:par>
-    </p:tnLst>
-  </p:timing>
 </p:sld>
 </file>
 
@@ -6449,14 +6216,9 @@
           <a:lstStyle/>
           <a:p>
             <a:r>
-              <a:rPr lang="en-US" dirty="0" smtClean="0"/>
-              <a:t>Prolog </a:t>
-            </a:r>
-            <a:r>
-              <a:rPr lang="en-US" dirty="0"/>
-              <a:t>Conventions</a:t>
-            </a:r>
-            <a:endParaRPr lang="en-US" dirty="0"/>
+              <a:rPr lang="en-US" dirty="0"/>
+              <a:t>Prolog Conventions</a:t>
+            </a:r>
           </a:p>
         </p:txBody>
       </p:sp>
@@ -6476,16 +6238,15 @@
           <a:lstStyle/>
           <a:p>
             <a:r>
-              <a:rPr lang="en-US" dirty="0" smtClean="0"/>
+              <a:rPr lang="en-US" dirty="0"/>
               <a:t>Knowledge base- set of FOL statements</a:t>
             </a:r>
           </a:p>
           <a:p>
             <a:r>
-              <a:rPr lang="en-US" dirty="0" smtClean="0"/>
+              <a:rPr lang="en-US" dirty="0"/>
               <a:t>Given a query, the Prolog interpreter consults the KB and tells us if it can prove the query true.</a:t>
             </a:r>
-            <a:endParaRPr lang="en-US" dirty="0"/>
           </a:p>
         </p:txBody>
       </p:sp>
@@ -6499,13 +6260,6 @@
   <p:clrMapOvr>
     <a:masterClrMapping/>
   </p:clrMapOvr>
-  <p:timing>
-    <p:tnLst>
-      <p:par>
-        <p:cTn xmlns:p14="http://schemas.microsoft.com/office/powerpoint/2010/main" id="1" dur="indefinite" restart="never" nodeType="tmRoot"/>
-      </p:par>
-    </p:tnLst>
-  </p:timing>
 </p:sld>
 </file>
 
@@ -6542,10 +6296,9 @@
           <a:lstStyle/>
           <a:p>
             <a:r>
-              <a:rPr lang="en-US" dirty="0" smtClean="0"/>
+              <a:rPr lang="en-US" dirty="0"/>
               <a:t>Rules</a:t>
             </a:r>
-            <a:endParaRPr lang="en-US" dirty="0"/>
           </a:p>
         </p:txBody>
       </p:sp>
@@ -6565,7 +6318,7 @@
           <a:lstStyle/>
           <a:p>
             <a:r>
-              <a:rPr lang="en-US" dirty="0" smtClean="0"/>
+              <a:rPr lang="en-US" dirty="0"/>
               <a:t>General Form –</a:t>
             </a:r>
           </a:p>
@@ -6574,15 +6327,15 @@
               <a:buNone/>
             </a:pPr>
             <a:r>
-              <a:rPr lang="en-US" sz="3200" dirty="0" smtClean="0"/>
+              <a:rPr lang="en-US" sz="3200" dirty="0"/>
               <a:t>P :- Q1,Q2,…</a:t>
             </a:r>
             <a:r>
-              <a:rPr lang="en-US" sz="3200" dirty="0" err="1" smtClean="0"/>
+              <a:rPr lang="en-US" sz="3200" dirty="0" err="1"/>
               <a:t>Qn</a:t>
             </a:r>
             <a:r>
-              <a:rPr lang="en-US" sz="3200" dirty="0" smtClean="0"/>
+              <a:rPr lang="en-US" sz="3200" dirty="0"/>
               <a:t>  (Prolog)</a:t>
             </a:r>
           </a:p>
@@ -6590,18 +6343,18 @@
             <a:pPr marL="457200" lvl="1" indent="0">
               <a:buNone/>
             </a:pPr>
-            <a:endParaRPr lang="en-US" sz="3200" dirty="0" smtClean="0"/>
+            <a:endParaRPr lang="en-US" sz="3200" dirty="0"/>
           </a:p>
           <a:p>
             <a:pPr marL="457200" lvl="1" indent="0">
               <a:buNone/>
             </a:pPr>
             <a:r>
-              <a:rPr lang="en-US" sz="3200" dirty="0" smtClean="0"/>
+              <a:rPr lang="en-US" sz="3200" dirty="0"/>
               <a:t>Q1 </a:t>
             </a:r>
             <a:r>
-              <a:rPr lang="en-US" sz="3200" dirty="0" smtClean="0">
+              <a:rPr lang="en-US" sz="3200" dirty="0">
                 <a:latin typeface="ＭＳ ゴシック"/>
                 <a:ea typeface="ＭＳ ゴシック"/>
                 <a:cs typeface="ＭＳ ゴシック"/>
@@ -6609,11 +6362,11 @@
               <a:t>∧ </a:t>
             </a:r>
             <a:r>
-              <a:rPr lang="en-US" sz="3200" dirty="0" smtClean="0"/>
+              <a:rPr lang="en-US" sz="3200" dirty="0"/>
               <a:t>Q2 </a:t>
             </a:r>
             <a:r>
-              <a:rPr lang="en-US" sz="3200" dirty="0" smtClean="0">
+              <a:rPr lang="en-US" sz="3200" dirty="0">
                 <a:latin typeface="ＭＳ ゴシック"/>
                 <a:ea typeface="ＭＳ ゴシック"/>
                 <a:cs typeface="ＭＳ ゴシック"/>
@@ -6621,11 +6374,11 @@
               <a:t>∧ </a:t>
             </a:r>
             <a:r>
-              <a:rPr lang="en-US" sz="3200" dirty="0" smtClean="0"/>
+              <a:rPr lang="en-US" sz="3200" dirty="0"/>
               <a:t>Q3</a:t>
             </a:r>
             <a:r>
-              <a:rPr lang="en-US" sz="3200" dirty="0" smtClean="0">
+              <a:rPr lang="en-US" sz="3200" dirty="0">
                 <a:latin typeface="ＭＳ ゴシック"/>
                 <a:ea typeface="ＭＳ ゴシック"/>
                 <a:cs typeface="ＭＳ ゴシック"/>
@@ -6633,19 +6386,19 @@
               <a:t> </a:t>
             </a:r>
             <a:r>
-              <a:rPr lang="en-US" sz="3200" dirty="0" smtClean="0"/>
+              <a:rPr lang="en-US" sz="3200" dirty="0"/>
               <a:t> ….. </a:t>
             </a:r>
             <a:r>
-              <a:rPr lang="en-US" sz="3200" dirty="0" err="1" smtClean="0"/>
+              <a:rPr lang="en-US" sz="3200" dirty="0" err="1"/>
               <a:t>Qn</a:t>
             </a:r>
             <a:r>
-              <a:rPr lang="en-US" sz="3200" dirty="0" smtClean="0"/>
+              <a:rPr lang="en-US" sz="3200" dirty="0"/>
               <a:t> </a:t>
             </a:r>
             <a:r>
-              <a:rPr lang="en-US" sz="3200" dirty="0" smtClean="0">
+              <a:rPr lang="en-US" sz="3200" dirty="0">
                 <a:latin typeface="Wingdings"/>
                 <a:ea typeface="Wingdings"/>
                 <a:cs typeface="Wingdings"/>
@@ -6657,37 +6410,25 @@
               <a:rPr lang="en-US" sz="3200" dirty="0">
                 <a:sym typeface="Wingdings"/>
               </a:rPr>
-              <a:t> </a:t>
-            </a:r>
-            <a:r>
-              <a:rPr lang="en-US" sz="3200" dirty="0" smtClean="0">
+              <a:t> P   (FOL)</a:t>
+            </a:r>
+          </a:p>
+          <a:p>
+            <a:pPr marL="457200" lvl="1" indent="0">
+              <a:buNone/>
+            </a:pPr>
+            <a:r>
+              <a:rPr lang="en-US" sz="3200" b="1" dirty="0">
                 <a:sym typeface="Wingdings"/>
               </a:rPr>
-              <a:t>P   (FOL)</a:t>
+              <a:t>Horn Clause</a:t>
             </a:r>
           </a:p>
           <a:p>
             <a:pPr marL="457200" lvl="1" indent="0">
               <a:buNone/>
             </a:pPr>
-            <a:r>
-              <a:rPr lang="en-US" sz="3200" b="1" dirty="0" smtClean="0">
-                <a:sym typeface="Wingdings"/>
-              </a:rPr>
-              <a:t>Horn </a:t>
-            </a:r>
-            <a:r>
-              <a:rPr lang="en-US" sz="3200" b="1" dirty="0" smtClean="0">
-                <a:sym typeface="Wingdings"/>
-              </a:rPr>
-              <a:t>Clause</a:t>
-            </a:r>
-          </a:p>
-          <a:p>
-            <a:pPr marL="457200" lvl="1" indent="0">
-              <a:buNone/>
-            </a:pPr>
-            <a:endParaRPr lang="en-US" sz="3200" dirty="0" smtClean="0">
+            <a:endParaRPr lang="en-US" sz="3200" dirty="0">
               <a:sym typeface="Wingdings"/>
             </a:endParaRPr>
           </a:p>
@@ -6696,13 +6437,13 @@
               <a:buNone/>
             </a:pPr>
             <a:r>
-              <a:rPr lang="en-US" sz="3200" dirty="0" smtClean="0">
+              <a:rPr lang="en-US" sz="3200" dirty="0">
                 <a:sym typeface="Wingdings"/>
               </a:rPr>
               <a:t>P </a:t>
             </a:r>
             <a:r>
-              <a:rPr lang="en-US" sz="3200" dirty="0" smtClean="0">
+              <a:rPr lang="en-US" sz="3200" dirty="0">
                 <a:latin typeface="Wingdings"/>
                 <a:ea typeface="Wingdings"/>
                 <a:cs typeface="Wingdings"/>
@@ -6711,17 +6452,17 @@
               <a:t></a:t>
             </a:r>
             <a:r>
-              <a:rPr lang="en-US" sz="3200" dirty="0" smtClean="0">
+              <a:rPr lang="en-US" sz="3200" dirty="0">
                 <a:sym typeface="Wingdings"/>
               </a:rPr>
               <a:t> </a:t>
             </a:r>
             <a:r>
-              <a:rPr lang="en-US" sz="3200" dirty="0" smtClean="0"/>
+              <a:rPr lang="en-US" sz="3200" dirty="0"/>
               <a:t>Q1 </a:t>
             </a:r>
             <a:r>
-              <a:rPr lang="en-US" sz="3200" dirty="0" smtClean="0">
+              <a:rPr lang="en-US" sz="3200" dirty="0">
                 <a:latin typeface="ＭＳ ゴシック"/>
                 <a:ea typeface="ＭＳ ゴシック"/>
                 <a:cs typeface="ＭＳ ゴシック"/>
@@ -6729,11 +6470,11 @@
               <a:t>∧ </a:t>
             </a:r>
             <a:r>
-              <a:rPr lang="en-US" sz="3200" dirty="0" smtClean="0"/>
+              <a:rPr lang="en-US" sz="3200" dirty="0"/>
               <a:t>Q2 </a:t>
             </a:r>
             <a:r>
-              <a:rPr lang="en-US" sz="3200" dirty="0" smtClean="0">
+              <a:rPr lang="en-US" sz="3200" dirty="0">
                 <a:latin typeface="ＭＳ ゴシック"/>
                 <a:ea typeface="ＭＳ ゴシック"/>
                 <a:cs typeface="ＭＳ ゴシック"/>
@@ -6741,11 +6482,11 @@
               <a:t>∧ </a:t>
             </a:r>
             <a:r>
-              <a:rPr lang="en-US" sz="3200" dirty="0" smtClean="0"/>
+              <a:rPr lang="en-US" sz="3200" dirty="0"/>
               <a:t>Q3</a:t>
             </a:r>
             <a:r>
-              <a:rPr lang="en-US" sz="3200" dirty="0" smtClean="0">
+              <a:rPr lang="en-US" sz="3200" dirty="0">
                 <a:latin typeface="ＭＳ ゴシック"/>
                 <a:ea typeface="ＭＳ ゴシック"/>
                 <a:cs typeface="ＭＳ ゴシック"/>
@@ -6753,15 +6494,15 @@
               <a:t> </a:t>
             </a:r>
             <a:r>
-              <a:rPr lang="en-US" sz="3200" dirty="0" smtClean="0"/>
+              <a:rPr lang="en-US" sz="3200" dirty="0"/>
               <a:t> ….. </a:t>
             </a:r>
             <a:r>
-              <a:rPr lang="en-US" sz="3200" dirty="0" err="1" smtClean="0"/>
+              <a:rPr lang="en-US" sz="3200" dirty="0" err="1"/>
               <a:t>Qn</a:t>
             </a:r>
             <a:r>
-              <a:rPr lang="en-US" sz="3200" dirty="0" smtClean="0"/>
+              <a:rPr lang="en-US" sz="3200" dirty="0"/>
               <a:t> </a:t>
             </a:r>
           </a:p>
@@ -6769,7 +6510,7 @@
             <a:pPr marL="457200" lvl="1" indent="0">
               <a:buNone/>
             </a:pPr>
-            <a:endParaRPr lang="en-US" b="1" dirty="0" smtClean="0">
+            <a:endParaRPr lang="en-US" b="1" dirty="0">
               <a:sym typeface="Wingdings"/>
             </a:endParaRPr>
           </a:p>
@@ -6785,7 +6526,7 @@
             <a:pPr marL="457200" lvl="1" indent="0">
               <a:buNone/>
             </a:pPr>
-            <a:endParaRPr lang="en-US" dirty="0" smtClean="0"/>
+            <a:endParaRPr lang="en-US" dirty="0"/>
           </a:p>
           <a:p>
             <a:pPr marL="457200" lvl="1" indent="0">
@@ -6805,13 +6546,6 @@
   <p:clrMapOvr>
     <a:masterClrMapping/>
   </p:clrMapOvr>
-  <p:timing>
-    <p:tnLst>
-      <p:par>
-        <p:cTn xmlns:p14="http://schemas.microsoft.com/office/powerpoint/2010/main" id="1" dur="indefinite" restart="never" nodeType="tmRoot"/>
-      </p:par>
-    </p:tnLst>
-  </p:timing>
 </p:sld>
 </file>
 
@@ -6848,10 +6582,9 @@
           <a:lstStyle/>
           <a:p>
             <a:r>
-              <a:rPr lang="en-US" dirty="0" smtClean="0"/>
+              <a:rPr lang="en-US" dirty="0"/>
               <a:t>Horn Clauses</a:t>
             </a:r>
-            <a:endParaRPr lang="en-US" dirty="0"/>
           </a:p>
         </p:txBody>
       </p:sp>
@@ -6876,13 +6609,13 @@
           <a:lstStyle/>
           <a:p>
             <a:r>
-              <a:rPr lang="en-US" dirty="0" smtClean="0"/>
+              <a:rPr lang="en-US" dirty="0"/>
               <a:t>Prolog Program = list of Horn clauses</a:t>
             </a:r>
           </a:p>
           <a:p>
             <a:r>
-              <a:rPr lang="en-US" dirty="0" smtClean="0">
+              <a:rPr lang="en-US" dirty="0">
                 <a:latin typeface="Wingdings"/>
                 <a:ea typeface="Wingdings"/>
                 <a:cs typeface="Wingdings"/>
@@ -6894,18 +6627,12 @@
               <a:rPr lang="en-US" dirty="0">
                 <a:sym typeface="Wingdings"/>
               </a:rPr>
-              <a:t>  </a:t>
-            </a:r>
-            <a:r>
-              <a:rPr lang="en-US" dirty="0" smtClean="0">
-                <a:sym typeface="Wingdings"/>
-              </a:rPr>
-              <a:t>    :-</a:t>
-            </a:r>
-          </a:p>
-          <a:p>
-            <a:r>
-              <a:rPr lang="en-US" dirty="0" smtClean="0">
+              <a:t>      :-</a:t>
+            </a:r>
+          </a:p>
+          <a:p>
+            <a:r>
+              <a:rPr lang="en-US" dirty="0">
                 <a:latin typeface="ＭＳ ゴシック"/>
                 <a:ea typeface="ＭＳ ゴシック"/>
                 <a:cs typeface="ＭＳ ゴシック"/>
@@ -6914,16 +6641,12 @@
             </a:r>
             <a:r>
               <a:rPr lang="en-US" dirty="0"/>
-              <a:t> </a:t>
-            </a:r>
-            <a:r>
-              <a:rPr lang="en-US" dirty="0" smtClean="0"/>
-              <a:t>     ,</a:t>
-            </a:r>
-          </a:p>
-          <a:p>
-            <a:r>
-              <a:rPr lang="en-US" dirty="0" smtClean="0"/>
+              <a:t>      ,</a:t>
+            </a:r>
+          </a:p>
+          <a:p>
+            <a:r>
+              <a:rPr lang="en-US" dirty="0"/>
               <a:t>All variables in a rule are universally quantified (for all) </a:t>
             </a:r>
           </a:p>
@@ -6931,23 +6654,11 @@
             <a:pPr lvl="1"/>
             <a:r>
               <a:rPr lang="en-US" dirty="0"/>
-              <a:t>likes(john, X</a:t>
-            </a:r>
-            <a:r>
-              <a:rPr lang="en-US" dirty="0" smtClean="0"/>
-              <a:t>) :- likes</a:t>
-            </a:r>
-            <a:r>
-              <a:rPr lang="en-US" dirty="0"/>
-              <a:t>(</a:t>
+              <a:t>likes(john, X) :- likes(</a:t>
             </a:r>
             <a:r>
               <a:rPr lang="en-US" dirty="0" err="1"/>
-              <a:t>mary</a:t>
-            </a:r>
-            <a:r>
-              <a:rPr lang="en-US" dirty="0" err="1" smtClean="0"/>
-              <a:t>,X</a:t>
+              <a:t>mary,X</a:t>
             </a:r>
             <a:r>
               <a:rPr lang="en-US" dirty="0"/>
@@ -6957,7 +6668,7 @@
           </a:p>
           <a:p>
             <a:r>
-              <a:rPr lang="en-US" dirty="0" smtClean="0"/>
+              <a:rPr lang="en-US" dirty="0"/>
               <a:t>All variables in a query are existentially quantified (there exists)</a:t>
             </a:r>
           </a:p>
@@ -6965,23 +6676,15 @@
             <a:pPr lvl="1"/>
             <a:r>
               <a:rPr lang="en-US" dirty="0"/>
-              <a:t>likes(john, </a:t>
-            </a:r>
-            <a:r>
-              <a:rPr lang="en-US" dirty="0" smtClean="0"/>
-              <a:t>X)</a:t>
-            </a:r>
-            <a:r>
-              <a:rPr lang="en-US" dirty="0"/>
-              <a:t>.</a:t>
+              <a:t>likes(john, X).</a:t>
             </a:r>
           </a:p>
           <a:p>
             <a:pPr lvl="1"/>
-            <a:endParaRPr lang="en-US" dirty="0" smtClean="0"/>
-          </a:p>
-          <a:p>
-            <a:endParaRPr lang="en-US" dirty="0" smtClean="0"/>
+            <a:endParaRPr lang="en-US" dirty="0"/>
+          </a:p>
+          <a:p>
+            <a:endParaRPr lang="en-US" dirty="0"/>
           </a:p>
           <a:p>
             <a:endParaRPr lang="en-US" dirty="0"/>
@@ -6998,13 +6701,6 @@
   <p:clrMapOvr>
     <a:masterClrMapping/>
   </p:clrMapOvr>
-  <p:timing>
-    <p:tnLst>
-      <p:par>
-        <p:cTn xmlns:p14="http://schemas.microsoft.com/office/powerpoint/2010/main" id="1" dur="indefinite" restart="never" nodeType="tmRoot"/>
-      </p:par>
-    </p:tnLst>
-  </p:timing>
 </p:sld>
 </file>
 
@@ -7041,10 +6737,9 @@
           <a:lstStyle/>
           <a:p>
             <a:r>
-              <a:rPr lang="en-US" dirty="0" smtClean="0"/>
+              <a:rPr lang="en-US" dirty="0"/>
               <a:t>Example</a:t>
             </a:r>
-            <a:endParaRPr lang="en-US" dirty="0"/>
           </a:p>
         </p:txBody>
       </p:sp>
@@ -7071,84 +6766,76 @@
           <a:lstStyle/>
           <a:p>
             <a:r>
-              <a:rPr lang="en-US" dirty="0" smtClean="0"/>
+              <a:rPr lang="en-US" dirty="0"/>
               <a:t>instructor (</a:t>
             </a:r>
             <a:r>
-              <a:rPr lang="en-US" dirty="0" err="1" smtClean="0"/>
+              <a:rPr lang="en-US" dirty="0" err="1"/>
               <a:t>joe</a:t>
             </a:r>
             <a:r>
-              <a:rPr lang="en-US" dirty="0" smtClean="0"/>
+              <a:rPr lang="en-US" dirty="0"/>
               <a:t>).</a:t>
             </a:r>
           </a:p>
           <a:p>
             <a:r>
-              <a:rPr lang="en-US" dirty="0" smtClean="0"/>
-              <a:t>taking </a:t>
-            </a:r>
-            <a:r>
-              <a:rPr lang="en-US" dirty="0" smtClean="0"/>
-              <a:t>(</a:t>
-            </a:r>
-            <a:r>
-              <a:rPr lang="en-US" dirty="0" err="1" smtClean="0"/>
+              <a:rPr lang="en-US" dirty="0"/>
+              <a:t>taking (</a:t>
+            </a:r>
+            <a:r>
+              <a:rPr lang="en-US" dirty="0" err="1"/>
               <a:t>X,seniorSemin</a:t>
             </a:r>
             <a:r>
-              <a:rPr lang="en-US" dirty="0" smtClean="0"/>
+              <a:rPr lang="en-US" dirty="0"/>
               <a:t>) :- senior (X) , </a:t>
             </a:r>
             <a:r>
-              <a:rPr lang="en-US" dirty="0" err="1" smtClean="0"/>
+              <a:rPr lang="en-US" dirty="0" err="1"/>
               <a:t>csMajor</a:t>
             </a:r>
             <a:r>
-              <a:rPr lang="en-US" dirty="0" smtClean="0"/>
+              <a:rPr lang="en-US" dirty="0"/>
               <a:t>(X).</a:t>
             </a:r>
           </a:p>
           <a:p>
-            <a:endParaRPr lang="en-US" dirty="0" smtClean="0"/>
-          </a:p>
-          <a:p>
-            <a:r>
-              <a:rPr lang="en-US" dirty="0" smtClean="0"/>
+            <a:endParaRPr lang="en-US" dirty="0"/>
+          </a:p>
+          <a:p>
+            <a:r>
+              <a:rPr lang="en-US" dirty="0"/>
               <a:t>FOL-</a:t>
             </a:r>
           </a:p>
           <a:p>
             <a:r>
-              <a:rPr lang="en-US" dirty="0" smtClean="0"/>
+              <a:rPr lang="en-US" dirty="0"/>
               <a:t>instructor (</a:t>
             </a:r>
             <a:r>
-              <a:rPr lang="en-US" dirty="0" err="1" smtClean="0"/>
+              <a:rPr lang="en-US" dirty="0" err="1"/>
               <a:t>joe</a:t>
             </a:r>
             <a:r>
-              <a:rPr lang="en-US" dirty="0" smtClean="0"/>
+              <a:rPr lang="en-US" dirty="0"/>
               <a:t>)</a:t>
             </a:r>
           </a:p>
           <a:p>
             <a:r>
-              <a:rPr lang="en-US" dirty="0" smtClean="0"/>
-              <a:t>For </a:t>
-            </a:r>
-            <a:r>
-              <a:rPr lang="en-US" dirty="0" smtClean="0"/>
-              <a:t>all X: </a:t>
-            </a:r>
-          </a:p>
-          <a:p>
-            <a:r>
-              <a:rPr lang="en-US" dirty="0" smtClean="0"/>
+              <a:rPr lang="en-US" dirty="0"/>
+              <a:t>For all X: </a:t>
+            </a:r>
+          </a:p>
+          <a:p>
+            <a:r>
+              <a:rPr lang="en-US" dirty="0"/>
               <a:t>senior (X)  </a:t>
             </a:r>
             <a:r>
-              <a:rPr lang="en-US" dirty="0" smtClean="0">
+              <a:rPr lang="en-US" dirty="0">
                 <a:latin typeface="ＭＳ ゴシック"/>
                 <a:ea typeface="ＭＳ ゴシック"/>
                 <a:cs typeface="ＭＳ ゴシック"/>
@@ -7160,15 +6847,15 @@
               <a:t> </a:t>
             </a:r>
             <a:r>
-              <a:rPr lang="en-US" dirty="0" err="1" smtClean="0"/>
+              <a:rPr lang="en-US" dirty="0" err="1"/>
               <a:t>csMajor</a:t>
             </a:r>
             <a:r>
-              <a:rPr lang="en-US" dirty="0" smtClean="0"/>
+              <a:rPr lang="en-US" dirty="0"/>
               <a:t>(X) </a:t>
             </a:r>
             <a:r>
-              <a:rPr lang="en-US" dirty="0" smtClean="0">
+              <a:rPr lang="en-US" dirty="0">
                 <a:latin typeface="Wingdings"/>
                 <a:ea typeface="Wingdings"/>
                 <a:cs typeface="Wingdings"/>
@@ -7177,18 +6864,17 @@
               <a:t></a:t>
             </a:r>
             <a:r>
-              <a:rPr lang="en-US" dirty="0" smtClean="0"/>
+              <a:rPr lang="en-US" dirty="0"/>
               <a:t>taking (</a:t>
             </a:r>
             <a:r>
-              <a:rPr lang="en-US" dirty="0" err="1" smtClean="0"/>
+              <a:rPr lang="en-US" dirty="0" err="1"/>
               <a:t>X,seniorSemin</a:t>
             </a:r>
             <a:r>
-              <a:rPr lang="en-US" dirty="0" smtClean="0"/>
+              <a:rPr lang="en-US" dirty="0"/>
               <a:t>) </a:t>
             </a:r>
-            <a:endParaRPr lang="en-US" dirty="0"/>
           </a:p>
         </p:txBody>
       </p:sp>
@@ -7202,13 +6888,6 @@
   <p:clrMapOvr>
     <a:masterClrMapping/>
   </p:clrMapOvr>
-  <p:timing>
-    <p:tnLst>
-      <p:par>
-        <p:cTn xmlns:p14="http://schemas.microsoft.com/office/powerpoint/2010/main" id="1" dur="indefinite" restart="never" nodeType="tmRoot"/>
-      </p:par>
-    </p:tnLst>
-  </p:timing>
 </p:sld>
 </file>
 
@@ -7245,10 +6924,9 @@
           <a:lstStyle/>
           <a:p>
             <a:r>
-              <a:rPr lang="en-US" dirty="0" smtClean="0"/>
+              <a:rPr lang="en-US" dirty="0"/>
               <a:t>Rules</a:t>
             </a:r>
-            <a:endParaRPr lang="en-US" dirty="0"/>
           </a:p>
         </p:txBody>
       </p:sp>
@@ -7273,7 +6951,7 @@
           <a:lstStyle/>
           <a:p>
             <a:r>
-              <a:rPr lang="en-US" dirty="0" smtClean="0"/>
+              <a:rPr lang="en-US" dirty="0"/>
               <a:t>Rules with the same L.H.S:</a:t>
             </a:r>
           </a:p>
@@ -7282,15 +6960,15 @@
               <a:buNone/>
             </a:pPr>
             <a:r>
-              <a:rPr lang="en-US" dirty="0" smtClean="0"/>
+              <a:rPr lang="en-US" dirty="0"/>
               <a:t>P :- Q1,Q2,…</a:t>
             </a:r>
             <a:r>
-              <a:rPr lang="en-US" dirty="0" err="1" smtClean="0"/>
+              <a:rPr lang="en-US" dirty="0" err="1"/>
               <a:t>Qn</a:t>
             </a:r>
             <a:r>
-              <a:rPr lang="en-US" dirty="0" smtClean="0"/>
+              <a:rPr lang="en-US" dirty="0"/>
               <a:t> </a:t>
             </a:r>
           </a:p>
@@ -7299,7 +6977,7 @@
               <a:buNone/>
             </a:pPr>
             <a:r>
-              <a:rPr lang="en-US" dirty="0" smtClean="0"/>
+              <a:rPr lang="en-US" dirty="0"/>
               <a:t>P :- K1,K2,…Km </a:t>
             </a:r>
           </a:p>
@@ -7308,7 +6986,7 @@
               <a:buNone/>
             </a:pPr>
             <a:r>
-              <a:rPr lang="en-US" b="1" dirty="0" smtClean="0"/>
+              <a:rPr lang="en-US" b="1" dirty="0"/>
               <a:t>Same as :</a:t>
             </a:r>
           </a:p>
@@ -7318,14 +6996,10 @@
             </a:pPr>
             <a:r>
               <a:rPr lang="en-US" dirty="0"/>
-              <a:t>(</a:t>
-            </a:r>
-            <a:r>
-              <a:rPr lang="en-US" dirty="0" smtClean="0"/>
-              <a:t>Q1 </a:t>
-            </a:r>
-            <a:r>
-              <a:rPr lang="en-US" dirty="0" smtClean="0">
+              <a:t>(Q1 </a:t>
+            </a:r>
+            <a:r>
+              <a:rPr lang="en-US" dirty="0">
                 <a:latin typeface="ＭＳ ゴシック"/>
                 <a:ea typeface="ＭＳ ゴシック"/>
                 <a:cs typeface="ＭＳ ゴシック"/>
@@ -7333,11 +7007,11 @@
               <a:t>∧ </a:t>
             </a:r>
             <a:r>
-              <a:rPr lang="en-US" dirty="0" smtClean="0"/>
+              <a:rPr lang="en-US" dirty="0"/>
               <a:t>Q2 </a:t>
             </a:r>
             <a:r>
-              <a:rPr lang="en-US" dirty="0" smtClean="0">
+              <a:rPr lang="en-US" dirty="0">
                 <a:latin typeface="ＭＳ ゴシック"/>
                 <a:ea typeface="ＭＳ ゴシック"/>
                 <a:cs typeface="ＭＳ ゴシック"/>
@@ -7345,11 +7019,11 @@
               <a:t>∧ </a:t>
             </a:r>
             <a:r>
-              <a:rPr lang="en-US" dirty="0" smtClean="0"/>
+              <a:rPr lang="en-US" dirty="0"/>
               <a:t>Q3</a:t>
             </a:r>
             <a:r>
-              <a:rPr lang="en-US" dirty="0" smtClean="0">
+              <a:rPr lang="en-US" dirty="0">
                 <a:latin typeface="ＭＳ ゴシック"/>
                 <a:ea typeface="ＭＳ ゴシック"/>
                 <a:cs typeface="ＭＳ ゴシック"/>
@@ -7357,19 +7031,19 @@
               <a:t> </a:t>
             </a:r>
             <a:r>
-              <a:rPr lang="en-US" dirty="0" smtClean="0"/>
+              <a:rPr lang="en-US" dirty="0"/>
               <a:t> ….. </a:t>
             </a:r>
             <a:r>
-              <a:rPr lang="en-US" dirty="0" err="1" smtClean="0"/>
+              <a:rPr lang="en-US" dirty="0" err="1"/>
               <a:t>Qn</a:t>
             </a:r>
             <a:r>
-              <a:rPr lang="en-US" dirty="0" smtClean="0"/>
+              <a:rPr lang="en-US" dirty="0"/>
               <a:t> </a:t>
             </a:r>
             <a:r>
-              <a:rPr lang="en-US" dirty="0" smtClean="0">
+              <a:rPr lang="en-US" dirty="0">
                 <a:latin typeface="Wingdings"/>
                 <a:ea typeface="Wingdings"/>
                 <a:cs typeface="Wingdings"/>
@@ -7378,13 +7052,13 @@
               <a:t></a:t>
             </a:r>
             <a:r>
-              <a:rPr lang="en-US" dirty="0" smtClean="0">
+              <a:rPr lang="en-US" dirty="0">
                 <a:sym typeface="Wingdings"/>
               </a:rPr>
               <a:t> P ) </a:t>
             </a:r>
             <a:r>
-              <a:rPr lang="en-US" dirty="0" smtClean="0">
+              <a:rPr lang="en-US" dirty="0">
                 <a:latin typeface="ＭＳ ゴシック"/>
                 <a:ea typeface="ＭＳ ゴシック"/>
                 <a:cs typeface="ＭＳ ゴシック"/>
@@ -7392,7 +7066,7 @@
               </a:rPr>
               <a:t>∨</a:t>
             </a:r>
-            <a:endParaRPr lang="en-US" dirty="0" smtClean="0">
+            <a:endParaRPr lang="en-US" dirty="0">
               <a:sym typeface="Wingdings"/>
             </a:endParaRPr>
           </a:p>
@@ -7404,20 +7078,14 @@
               <a:rPr lang="en-US" dirty="0">
                 <a:sym typeface="Wingdings"/>
               </a:rPr>
-              <a:t>	</a:t>
-            </a:r>
-            <a:r>
-              <a:rPr lang="en-US" dirty="0" smtClean="0">
-                <a:sym typeface="Wingdings"/>
-              </a:rPr>
-              <a:t>	</a:t>
-            </a:r>
-            <a:r>
-              <a:rPr lang="en-US" dirty="0" smtClean="0"/>
+              <a:t>		</a:t>
+            </a:r>
+            <a:r>
+              <a:rPr lang="en-US" dirty="0"/>
               <a:t>(K1 </a:t>
             </a:r>
             <a:r>
-              <a:rPr lang="en-US" dirty="0" smtClean="0">
+              <a:rPr lang="en-US" dirty="0">
                 <a:latin typeface="ＭＳ ゴシック"/>
                 <a:ea typeface="ＭＳ ゴシック"/>
                 <a:cs typeface="ＭＳ ゴシック"/>
@@ -7426,14 +7094,10 @@
             </a:r>
             <a:r>
               <a:rPr lang="en-US" dirty="0"/>
-              <a:t>K</a:t>
-            </a:r>
-            <a:r>
-              <a:rPr lang="en-US" dirty="0" smtClean="0"/>
-              <a:t>2 </a:t>
-            </a:r>
-            <a:r>
-              <a:rPr lang="en-US" dirty="0" smtClean="0">
+              <a:t>K2 </a:t>
+            </a:r>
+            <a:r>
+              <a:rPr lang="en-US" dirty="0">
                 <a:latin typeface="ＭＳ ゴシック"/>
                 <a:ea typeface="ＭＳ ゴシック"/>
                 <a:cs typeface="ＭＳ ゴシック"/>
@@ -7442,14 +7106,10 @@
             </a:r>
             <a:r>
               <a:rPr lang="en-US" dirty="0"/>
-              <a:t>K</a:t>
-            </a:r>
-            <a:r>
-              <a:rPr lang="en-US" dirty="0" smtClean="0"/>
-              <a:t>3</a:t>
-            </a:r>
-            <a:r>
-              <a:rPr lang="en-US" dirty="0" smtClean="0">
+              <a:t>K3</a:t>
+            </a:r>
+            <a:r>
+              <a:rPr lang="en-US" dirty="0">
                 <a:latin typeface="ＭＳ ゴシック"/>
                 <a:ea typeface="ＭＳ ゴシック"/>
                 <a:cs typeface="ＭＳ ゴシック"/>
@@ -7457,19 +7117,11 @@
               <a:t> </a:t>
             </a:r>
             <a:r>
-              <a:rPr lang="en-US" dirty="0" smtClean="0"/>
-              <a:t> ….. K</a:t>
-            </a:r>
-            <a:r>
-              <a:rPr lang="en-US" dirty="0"/>
-              <a:t>m</a:t>
-            </a:r>
-            <a:r>
-              <a:rPr lang="en-US" dirty="0" smtClean="0"/>
-              <a:t> </a:t>
-            </a:r>
-            <a:r>
-              <a:rPr lang="en-US" dirty="0" smtClean="0">
+              <a:rPr lang="en-US" dirty="0"/>
+              <a:t> ….. Km </a:t>
+            </a:r>
+            <a:r>
+              <a:rPr lang="en-US" dirty="0">
                 <a:latin typeface="Wingdings"/>
                 <a:ea typeface="Wingdings"/>
                 <a:cs typeface="Wingdings"/>
@@ -7478,7 +7130,7 @@
               <a:t></a:t>
             </a:r>
             <a:r>
-              <a:rPr lang="en-US" dirty="0" smtClean="0">
+              <a:rPr lang="en-US" dirty="0">
                 <a:sym typeface="Wingdings"/>
               </a:rPr>
               <a:t> P ) </a:t>
@@ -7489,23 +7141,21 @@
               <a:buNone/>
             </a:pPr>
             <a:r>
-              <a:rPr lang="en-US" dirty="0" smtClean="0"/>
+              <a:rPr lang="en-US" dirty="0"/>
               <a:t>E.g.-</a:t>
             </a:r>
+          </a:p>
+          <a:p>
+            <a:pPr marL="457200" lvl="1" indent="0">
+              <a:buNone/>
+            </a:pPr>
             <a:endParaRPr lang="en-US" dirty="0"/>
           </a:p>
           <a:p>
-            <a:pPr marL="457200" lvl="1" indent="0">
-              <a:buNone/>
-            </a:pPr>
-            <a:endParaRPr lang="en-US" dirty="0" smtClean="0"/>
-          </a:p>
-          <a:p>
-            <a:r>
-              <a:rPr lang="en-US" dirty="0" smtClean="0"/>
+            <a:r>
+              <a:rPr lang="en-US" dirty="0"/>
               <a:t>Goals vs. sub-goals</a:t>
             </a:r>
-            <a:endParaRPr lang="en-US" dirty="0"/>
           </a:p>
         </p:txBody>
       </p:sp>
@@ -7543,13 +7193,6 @@
   <p:clrMapOvr>
     <a:masterClrMapping/>
   </p:clrMapOvr>
-  <p:timing>
-    <p:tnLst>
-      <p:par>
-        <p:cTn xmlns:p14="http://schemas.microsoft.com/office/powerpoint/2010/main" id="1" dur="indefinite" restart="never" nodeType="tmRoot"/>
-      </p:par>
-    </p:tnLst>
-  </p:timing>
 </p:sld>
 </file>
 
